--- a/barcamp presentation.pptx
+++ b/barcamp presentation.pptx
@@ -5,18 +5,24 @@
     <p:sldMasterId id="2147483660" r:id="rId1"/>
   </p:sldMasterIdLst>
   <p:notesMasterIdLst>
-    <p:notesMasterId r:id="rId11"/>
+    <p:notesMasterId r:id="rId17"/>
   </p:notesMasterIdLst>
   <p:sldIdLst>
     <p:sldId id="256" r:id="rId2"/>
     <p:sldId id="257" r:id="rId3"/>
     <p:sldId id="258" r:id="rId4"/>
-    <p:sldId id="259" r:id="rId5"/>
-    <p:sldId id="261" r:id="rId6"/>
-    <p:sldId id="263" r:id="rId7"/>
-    <p:sldId id="260" r:id="rId8"/>
-    <p:sldId id="262" r:id="rId9"/>
-    <p:sldId id="264" r:id="rId10"/>
+    <p:sldId id="266" r:id="rId5"/>
+    <p:sldId id="265" r:id="rId6"/>
+    <p:sldId id="267" r:id="rId7"/>
+    <p:sldId id="268" r:id="rId8"/>
+    <p:sldId id="269" r:id="rId9"/>
+    <p:sldId id="259" r:id="rId10"/>
+    <p:sldId id="261" r:id="rId11"/>
+    <p:sldId id="263" r:id="rId12"/>
+    <p:sldId id="260" r:id="rId13"/>
+    <p:sldId id="262" r:id="rId14"/>
+    <p:sldId id="270" r:id="rId15"/>
+    <p:sldId id="264" r:id="rId16"/>
   </p:sldIdLst>
   <p:sldSz cx="9144000" cy="6858000" type="screen4x3"/>
   <p:notesSz cx="6858000" cy="9144000"/>
@@ -200,7 +206,7 @@
           <a:p>
             <a:fld id="{C6591456-F6C0-3B42-A3B5-712B6186DBB6}" type="datetimeFigureOut">
               <a:rPr lang="de-DE" smtClean="0"/>
-              <a:t>3/25/11</a:t>
+              <a:t>3/28/11</a:t>
             </a:fld>
             <a:endParaRPr lang="de-DE"/>
           </a:p>
@@ -689,7 +695,7 @@
           <a:p>
             <a:fld id="{651A0C47-018D-4460-B945-BFF7981B6CA6}" type="datetimeFigureOut">
               <a:rPr lang="en-US" smtClean="0"/>
-              <a:t>3/25/11</a:t>
+              <a:t>3/28/11</a:t>
             </a:fld>
             <a:endParaRPr lang="en-US"/>
           </a:p>
@@ -1021,7 +1027,7 @@
           <a:p>
             <a:fld id="{651A0C47-018D-4460-B945-BFF7981B6CA6}" type="datetimeFigureOut">
               <a:rPr lang="en-US" smtClean="0"/>
-              <a:t>3/25/11</a:t>
+              <a:t>3/28/11</a:t>
             </a:fld>
             <a:endParaRPr lang="en-US"/>
           </a:p>
@@ -1353,7 +1359,7 @@
           <a:p>
             <a:fld id="{651A0C47-018D-4460-B945-BFF7981B6CA6}" type="datetimeFigureOut">
               <a:rPr lang="en-US" smtClean="0"/>
-              <a:t>3/25/11</a:t>
+              <a:t>3/28/11</a:t>
             </a:fld>
             <a:endParaRPr lang="en-US"/>
           </a:p>
@@ -1685,7 +1691,7 @@
           <a:p>
             <a:fld id="{651A0C47-018D-4460-B945-BFF7981B6CA6}" type="datetimeFigureOut">
               <a:rPr lang="en-US" smtClean="0"/>
-              <a:t>3/25/11</a:t>
+              <a:t>3/28/11</a:t>
             </a:fld>
             <a:endParaRPr lang="en-US"/>
           </a:p>
@@ -2374,7 +2380,7 @@
           <a:p>
             <a:fld id="{651A0C47-018D-4460-B945-BFF7981B6CA6}" type="datetimeFigureOut">
               <a:rPr lang="en-US" smtClean="0"/>
-              <a:t>3/25/11</a:t>
+              <a:t>3/28/11</a:t>
             </a:fld>
             <a:endParaRPr lang="en-US"/>
           </a:p>
@@ -2553,7 +2559,7 @@
           <a:p>
             <a:fld id="{651A0C47-018D-4460-B945-BFF7981B6CA6}" type="datetimeFigureOut">
               <a:rPr lang="en-US" smtClean="0"/>
-              <a:t>3/25/11</a:t>
+              <a:t>3/28/11</a:t>
             </a:fld>
             <a:endParaRPr lang="en-US"/>
           </a:p>
@@ -2727,7 +2733,7 @@
           <a:p>
             <a:fld id="{651A0C47-018D-4460-B945-BFF7981B6CA6}" type="datetimeFigureOut">
               <a:rPr lang="en-US" smtClean="0"/>
-              <a:t>3/25/11</a:t>
+              <a:t>3/28/11</a:t>
             </a:fld>
             <a:endParaRPr lang="en-US"/>
           </a:p>
@@ -2975,7 +2981,7 @@
           <a:p>
             <a:fld id="{651A0C47-018D-4460-B945-BFF7981B6CA6}" type="datetimeFigureOut">
               <a:rPr lang="en-US" smtClean="0"/>
-              <a:t>3/25/11</a:t>
+              <a:t>3/28/11</a:t>
             </a:fld>
             <a:endParaRPr lang="en-US"/>
           </a:p>
@@ -3305,7 +3311,7 @@
           <a:p>
             <a:fld id="{651A0C47-018D-4460-B945-BFF7981B6CA6}" type="datetimeFigureOut">
               <a:rPr lang="en-US" smtClean="0"/>
-              <a:t>3/25/11</a:t>
+              <a:t>3/28/11</a:t>
             </a:fld>
             <a:endParaRPr lang="en-US"/>
           </a:p>
@@ -3597,7 +3603,7 @@
           <a:p>
             <a:fld id="{651A0C47-018D-4460-B945-BFF7981B6CA6}" type="datetimeFigureOut">
               <a:rPr lang="en-US" smtClean="0"/>
-              <a:t>3/25/11</a:t>
+              <a:t>3/28/11</a:t>
             </a:fld>
             <a:endParaRPr lang="en-US"/>
           </a:p>
@@ -4033,7 +4039,7 @@
           <a:p>
             <a:fld id="{651A0C47-018D-4460-B945-BFF7981B6CA6}" type="datetimeFigureOut">
               <a:rPr lang="en-US" smtClean="0"/>
-              <a:t>3/25/11</a:t>
+              <a:t>3/28/11</a:t>
             </a:fld>
             <a:endParaRPr lang="en-US"/>
           </a:p>
@@ -4220,7 +4226,7 @@
           <a:p>
             <a:fld id="{651A0C47-018D-4460-B945-BFF7981B6CA6}" type="datetimeFigureOut">
               <a:rPr lang="en-US" smtClean="0"/>
-              <a:t>3/25/11</a:t>
+              <a:t>3/28/11</a:t>
             </a:fld>
             <a:endParaRPr lang="en-US"/>
           </a:p>
@@ -4310,7 +4316,7 @@
           <a:p>
             <a:fld id="{651A0C47-018D-4460-B945-BFF7981B6CA6}" type="datetimeFigureOut">
               <a:rPr lang="en-US" smtClean="0"/>
-              <a:t>3/25/11</a:t>
+              <a:t>3/28/11</a:t>
             </a:fld>
             <a:endParaRPr lang="en-US"/>
           </a:p>
@@ -4591,7 +4597,7 @@
           <a:p>
             <a:fld id="{651A0C47-018D-4460-B945-BFF7981B6CA6}" type="datetimeFigureOut">
               <a:rPr lang="en-US" smtClean="0"/>
-              <a:t>3/25/11</a:t>
+              <a:t>3/28/11</a:t>
             </a:fld>
             <a:endParaRPr lang="en-US"/>
           </a:p>
@@ -4806,7 +4812,7 @@
           <a:p>
             <a:fld id="{651A0C47-018D-4460-B945-BFF7981B6CA6}" type="datetimeFigureOut">
               <a:rPr lang="en-US" smtClean="0"/>
-              <a:t>3/25/11</a:t>
+              <a:t>3/28/11</a:t>
             </a:fld>
             <a:endParaRPr lang="en-US"/>
           </a:p>
@@ -5359,10 +5365,2059 @@
           </a:p>
         </p:txBody>
       </p:sp>
+      <p:sp>
+        <p:nvSpPr>
+          <p:cNvPr id="4" name="Textfeld 3"/>
+          <p:cNvSpPr txBox="1"/>
+          <p:nvPr/>
+        </p:nvSpPr>
+        <p:spPr>
+          <a:xfrm>
+            <a:off x="3685900" y="5165886"/>
+            <a:ext cx="1780828" cy="646331"/>
+          </a:xfrm>
+          <a:prstGeom prst="rect">
+            <a:avLst/>
+          </a:prstGeom>
+          <a:noFill/>
+        </p:spPr>
+        <p:txBody>
+          <a:bodyPr wrap="square" rtlCol="0">
+            <a:spAutoFit/>
+          </a:bodyPr>
+          <a:lstStyle/>
+          <a:p>
+            <a:r>
+              <a:rPr lang="de-DE" dirty="0" smtClean="0"/>
+              <a:t>Jan </a:t>
+            </a:r>
+            <a:r>
+              <a:rPr lang="de-DE" dirty="0" err="1" smtClean="0"/>
+              <a:t>Monschke</a:t>
+            </a:r>
+            <a:r>
+              <a:rPr lang="de-DE" dirty="0" smtClean="0"/>
+              <a:t> </a:t>
+            </a:r>
+          </a:p>
+          <a:p>
+            <a:r>
+              <a:rPr lang="de-DE" dirty="0" err="1" smtClean="0"/>
+              <a:t>Eray</a:t>
+            </a:r>
+            <a:r>
+              <a:rPr lang="de-DE" dirty="0" smtClean="0"/>
+              <a:t> Basar</a:t>
+            </a:r>
+            <a:endParaRPr lang="de-DE" dirty="0"/>
+          </a:p>
+        </p:txBody>
+      </p:sp>
     </p:spTree>
     <p:extLst>
       <p:ext uri="{BB962C8B-B14F-4D97-AF65-F5344CB8AC3E}">
         <p14:creationId xmlns:p14="http://schemas.microsoft.com/office/powerpoint/2010/main" val="3295509705"/>
+      </p:ext>
+    </p:extLst>
+  </p:cSld>
+  <p:clrMapOvr>
+    <a:masterClrMapping/>
+  </p:clrMapOvr>
+  <p:timing>
+    <p:tnLst>
+      <p:par>
+        <p:cTn xmlns:p14="http://schemas.microsoft.com/office/powerpoint/2010/main" id="1" dur="indefinite" restart="never" nodeType="tmRoot"/>
+      </p:par>
+    </p:tnLst>
+  </p:timing>
+</p:sld>
+</file>
+
+<file path=ppt/slides/slide10.xml><?xml version="1.0" encoding="utf-8"?>
+<p:sld xmlns:a="http://schemas.openxmlformats.org/drawingml/2006/main" xmlns:r="http://schemas.openxmlformats.org/officeDocument/2006/relationships" xmlns:p="http://schemas.openxmlformats.org/presentationml/2006/main">
+  <p:cSld>
+    <p:spTree>
+      <p:nvGrpSpPr>
+        <p:cNvPr id="1" name=""/>
+        <p:cNvGrpSpPr/>
+        <p:nvPr/>
+      </p:nvGrpSpPr>
+      <p:grpSpPr>
+        <a:xfrm>
+          <a:off x="0" y="0"/>
+          <a:ext cx="0" cy="0"/>
+          <a:chOff x="0" y="0"/>
+          <a:chExt cx="0" cy="0"/>
+        </a:xfrm>
+      </p:grpSpPr>
+      <p:sp>
+        <p:nvSpPr>
+          <p:cNvPr id="2" name="Titel 1"/>
+          <p:cNvSpPr>
+            <a:spLocks noGrp="1"/>
+          </p:cNvSpPr>
+          <p:nvPr>
+            <p:ph type="title"/>
+          </p:nvPr>
+        </p:nvSpPr>
+        <p:spPr/>
+        <p:txBody>
+          <a:bodyPr/>
+          <a:lstStyle/>
+          <a:p>
+            <a:r>
+              <a:rPr lang="de-DE" dirty="0" smtClean="0"/>
+              <a:t>#!/</a:t>
+            </a:r>
+            <a:r>
+              <a:rPr lang="de-DE" dirty="0" err="1" smtClean="0"/>
+              <a:t>why</a:t>
+            </a:r>
+            <a:endParaRPr lang="de-DE" dirty="0"/>
+          </a:p>
+        </p:txBody>
+      </p:sp>
+      <p:sp>
+        <p:nvSpPr>
+          <p:cNvPr id="3" name="Inhaltsplatzhalter 2"/>
+          <p:cNvSpPr>
+            <a:spLocks noGrp="1"/>
+          </p:cNvSpPr>
+          <p:nvPr>
+            <p:ph idx="1"/>
+          </p:nvPr>
+        </p:nvSpPr>
+        <p:spPr/>
+        <p:txBody>
+          <a:bodyPr/>
+          <a:lstStyle/>
+          <a:p>
+            <a:r>
+              <a:rPr lang="de-DE" dirty="0" smtClean="0"/>
+              <a:t>Server </a:t>
+            </a:r>
+            <a:r>
+              <a:rPr lang="de-DE" dirty="0" err="1" smtClean="0"/>
+              <a:t>doesn‘t</a:t>
+            </a:r>
+            <a:r>
+              <a:rPr lang="de-DE" dirty="0" smtClean="0"/>
+              <a:t> </a:t>
+            </a:r>
+            <a:r>
+              <a:rPr lang="de-DE" dirty="0" err="1" smtClean="0"/>
+              <a:t>need</a:t>
+            </a:r>
+            <a:r>
+              <a:rPr lang="de-DE" dirty="0" smtClean="0"/>
+              <a:t> </a:t>
+            </a:r>
+            <a:r>
+              <a:rPr lang="de-DE" dirty="0" err="1" smtClean="0"/>
+              <a:t>to</a:t>
+            </a:r>
+            <a:r>
+              <a:rPr lang="de-DE" dirty="0" smtClean="0"/>
+              <a:t> </a:t>
+            </a:r>
+            <a:r>
+              <a:rPr lang="de-DE" dirty="0" err="1" smtClean="0"/>
+              <a:t>render</a:t>
+            </a:r>
+            <a:r>
+              <a:rPr lang="de-DE" dirty="0" smtClean="0"/>
+              <a:t> </a:t>
+            </a:r>
+            <a:r>
+              <a:rPr lang="de-DE" dirty="0" err="1" smtClean="0"/>
+              <a:t>complete</a:t>
+            </a:r>
+            <a:r>
+              <a:rPr lang="de-DE" dirty="0" smtClean="0"/>
+              <a:t> </a:t>
+            </a:r>
+            <a:r>
+              <a:rPr lang="de-DE" dirty="0" err="1" smtClean="0"/>
+              <a:t>layouts</a:t>
+            </a:r>
+            <a:endParaRPr lang="de-DE" dirty="0" smtClean="0"/>
+          </a:p>
+          <a:p>
+            <a:pPr lvl="1"/>
+            <a:r>
+              <a:rPr lang="de-DE" dirty="0" err="1" smtClean="0"/>
+              <a:t>Less</a:t>
+            </a:r>
+            <a:r>
+              <a:rPr lang="de-DE" dirty="0" smtClean="0"/>
+              <a:t> CPU time </a:t>
+            </a:r>
+            <a:r>
+              <a:rPr lang="de-DE" dirty="0" err="1" smtClean="0"/>
+              <a:t>needed</a:t>
+            </a:r>
+            <a:r>
+              <a:rPr lang="de-DE" dirty="0" smtClean="0"/>
+              <a:t> </a:t>
+            </a:r>
+            <a:r>
+              <a:rPr lang="de-DE" dirty="0" err="1" smtClean="0"/>
+              <a:t>for</a:t>
+            </a:r>
+            <a:r>
+              <a:rPr lang="de-DE" dirty="0" smtClean="0"/>
+              <a:t> </a:t>
+            </a:r>
+            <a:r>
+              <a:rPr lang="de-DE" dirty="0" err="1" smtClean="0"/>
+              <a:t>each</a:t>
+            </a:r>
+            <a:r>
+              <a:rPr lang="de-DE" dirty="0" smtClean="0"/>
+              <a:t> </a:t>
+            </a:r>
+            <a:r>
+              <a:rPr lang="de-DE" dirty="0" err="1" smtClean="0"/>
+              <a:t>request</a:t>
+            </a:r>
+            <a:endParaRPr lang="de-DE" dirty="0" smtClean="0"/>
+          </a:p>
+          <a:p>
+            <a:pPr lvl="1"/>
+            <a:r>
+              <a:rPr lang="de-DE" dirty="0" smtClean="0"/>
+              <a:t>Server </a:t>
+            </a:r>
+            <a:r>
+              <a:rPr lang="de-DE" dirty="0" err="1" smtClean="0"/>
+              <a:t>is</a:t>
+            </a:r>
+            <a:r>
+              <a:rPr lang="de-DE" dirty="0" smtClean="0"/>
+              <a:t> </a:t>
+            </a:r>
+            <a:r>
+              <a:rPr lang="de-DE" dirty="0" err="1" smtClean="0"/>
+              <a:t>able</a:t>
+            </a:r>
+            <a:r>
+              <a:rPr lang="de-DE" dirty="0" smtClean="0"/>
+              <a:t> </a:t>
+            </a:r>
+            <a:r>
+              <a:rPr lang="de-DE" dirty="0" err="1" smtClean="0"/>
+              <a:t>to</a:t>
+            </a:r>
+            <a:r>
+              <a:rPr lang="de-DE" dirty="0" smtClean="0"/>
+              <a:t> handle </a:t>
+            </a:r>
+            <a:r>
+              <a:rPr lang="de-DE" dirty="0" err="1" smtClean="0"/>
+              <a:t>more</a:t>
+            </a:r>
+            <a:r>
+              <a:rPr lang="de-DE" dirty="0" smtClean="0"/>
+              <a:t> </a:t>
+            </a:r>
+            <a:r>
+              <a:rPr lang="de-DE" dirty="0" err="1" smtClean="0"/>
+              <a:t>requests</a:t>
+            </a:r>
+            <a:endParaRPr lang="de-DE" dirty="0" smtClean="0"/>
+          </a:p>
+          <a:p>
+            <a:r>
+              <a:rPr lang="de-DE" dirty="0" err="1" smtClean="0"/>
+              <a:t>No</a:t>
+            </a:r>
+            <a:r>
+              <a:rPr lang="de-DE" dirty="0" smtClean="0"/>
+              <a:t> </a:t>
+            </a:r>
+            <a:r>
+              <a:rPr lang="de-DE" dirty="0" err="1" smtClean="0"/>
+              <a:t>huge</a:t>
+            </a:r>
+            <a:r>
+              <a:rPr lang="de-DE" dirty="0" smtClean="0"/>
+              <a:t> HTML </a:t>
+            </a:r>
+            <a:r>
+              <a:rPr lang="de-DE" dirty="0" err="1" smtClean="0"/>
+              <a:t>files</a:t>
+            </a:r>
+            <a:r>
+              <a:rPr lang="de-DE" dirty="0" smtClean="0"/>
+              <a:t> </a:t>
+            </a:r>
+            <a:r>
+              <a:rPr lang="de-DE" dirty="0" err="1" smtClean="0"/>
+              <a:t>are</a:t>
+            </a:r>
+            <a:r>
+              <a:rPr lang="de-DE" dirty="0" smtClean="0"/>
+              <a:t> </a:t>
+            </a:r>
+            <a:r>
+              <a:rPr lang="de-DE" dirty="0" err="1" smtClean="0"/>
+              <a:t>transported</a:t>
+            </a:r>
+            <a:endParaRPr lang="de-DE" dirty="0" smtClean="0"/>
+          </a:p>
+          <a:p>
+            <a:pPr lvl="1"/>
+            <a:r>
+              <a:rPr lang="de-DE" dirty="0" err="1" smtClean="0"/>
+              <a:t>Less</a:t>
+            </a:r>
+            <a:r>
+              <a:rPr lang="de-DE" dirty="0" smtClean="0"/>
+              <a:t> </a:t>
+            </a:r>
+            <a:r>
+              <a:rPr lang="de-DE" dirty="0" err="1" smtClean="0"/>
+              <a:t>data</a:t>
+            </a:r>
+            <a:r>
+              <a:rPr lang="de-DE" dirty="0" smtClean="0"/>
+              <a:t> </a:t>
+            </a:r>
+            <a:r>
+              <a:rPr lang="de-DE" dirty="0" smtClean="0">
+                <a:sym typeface="Wingdings"/>
+              </a:rPr>
+              <a:t> </a:t>
+            </a:r>
+            <a:r>
+              <a:rPr lang="de-DE" dirty="0" err="1" smtClean="0">
+                <a:sym typeface="Wingdings"/>
+              </a:rPr>
+              <a:t>less</a:t>
+            </a:r>
+            <a:r>
+              <a:rPr lang="de-DE" dirty="0" smtClean="0">
+                <a:sym typeface="Wingdings"/>
+              </a:rPr>
+              <a:t> time </a:t>
+            </a:r>
+            <a:r>
+              <a:rPr lang="de-DE" dirty="0" err="1" smtClean="0">
+                <a:sym typeface="Wingdings"/>
+              </a:rPr>
+              <a:t>for</a:t>
+            </a:r>
+            <a:r>
+              <a:rPr lang="de-DE" dirty="0" smtClean="0">
+                <a:sym typeface="Wingdings"/>
+              </a:rPr>
+              <a:t> </a:t>
+            </a:r>
+            <a:r>
+              <a:rPr lang="de-DE" dirty="0" err="1" smtClean="0">
+                <a:sym typeface="Wingdings"/>
+              </a:rPr>
+              <a:t>transport</a:t>
+            </a:r>
+            <a:r>
+              <a:rPr lang="de-DE" dirty="0" smtClean="0">
+                <a:sym typeface="Wingdings"/>
+              </a:rPr>
+              <a:t>  </a:t>
+            </a:r>
+            <a:r>
+              <a:rPr lang="de-DE" dirty="0" err="1" smtClean="0">
+                <a:sym typeface="Wingdings"/>
+              </a:rPr>
+              <a:t>Good</a:t>
+            </a:r>
+            <a:r>
+              <a:rPr lang="de-DE" dirty="0" smtClean="0">
+                <a:sym typeface="Wingdings"/>
+              </a:rPr>
+              <a:t> </a:t>
+            </a:r>
+            <a:r>
+              <a:rPr lang="de-DE" dirty="0" err="1" smtClean="0">
+                <a:sym typeface="Wingdings"/>
+              </a:rPr>
+              <a:t>for</a:t>
+            </a:r>
+            <a:r>
+              <a:rPr lang="de-DE" dirty="0" smtClean="0">
+                <a:sym typeface="Wingdings"/>
+              </a:rPr>
+              <a:t> UX </a:t>
+            </a:r>
+            <a:r>
+              <a:rPr lang="de-DE" dirty="0" err="1" smtClean="0">
+                <a:sym typeface="Wingdings"/>
+              </a:rPr>
+              <a:t>and</a:t>
+            </a:r>
+            <a:r>
+              <a:rPr lang="de-DE" dirty="0" smtClean="0">
+                <a:sym typeface="Wingdings"/>
+              </a:rPr>
+              <a:t> Backend</a:t>
+            </a:r>
+          </a:p>
+          <a:p>
+            <a:pPr lvl="1"/>
+            <a:r>
+              <a:rPr lang="de-DE" dirty="0" err="1" smtClean="0"/>
+              <a:t>Especially</a:t>
+            </a:r>
+            <a:r>
+              <a:rPr lang="de-DE" dirty="0" smtClean="0"/>
+              <a:t> </a:t>
+            </a:r>
+            <a:r>
+              <a:rPr lang="de-DE" dirty="0" err="1" smtClean="0"/>
+              <a:t>good</a:t>
+            </a:r>
+            <a:r>
+              <a:rPr lang="de-DE" dirty="0" smtClean="0"/>
+              <a:t> </a:t>
+            </a:r>
+            <a:r>
+              <a:rPr lang="de-DE" dirty="0" err="1" smtClean="0"/>
+              <a:t>for</a:t>
+            </a:r>
+            <a:r>
+              <a:rPr lang="de-DE" dirty="0" smtClean="0"/>
+              <a:t> </a:t>
+            </a:r>
+            <a:r>
+              <a:rPr lang="de-DE" dirty="0" err="1" smtClean="0"/>
+              <a:t>devices</a:t>
+            </a:r>
+            <a:r>
+              <a:rPr lang="de-DE" dirty="0" smtClean="0"/>
+              <a:t> </a:t>
+            </a:r>
+            <a:r>
+              <a:rPr lang="de-DE" dirty="0" err="1" smtClean="0"/>
+              <a:t>that</a:t>
+            </a:r>
+            <a:r>
+              <a:rPr lang="de-DE" dirty="0" smtClean="0"/>
+              <a:t> </a:t>
+            </a:r>
+            <a:r>
+              <a:rPr lang="de-DE" dirty="0" err="1" smtClean="0"/>
+              <a:t>are</a:t>
+            </a:r>
+            <a:r>
+              <a:rPr lang="de-DE" dirty="0" smtClean="0"/>
+              <a:t> </a:t>
+            </a:r>
+            <a:r>
+              <a:rPr lang="de-DE" dirty="0" err="1" smtClean="0"/>
+              <a:t>connected</a:t>
+            </a:r>
+            <a:r>
+              <a:rPr lang="de-DE" dirty="0" smtClean="0"/>
+              <a:t> </a:t>
+            </a:r>
+            <a:r>
+              <a:rPr lang="de-DE" dirty="0" err="1" smtClean="0"/>
+              <a:t>to</a:t>
+            </a:r>
+            <a:r>
+              <a:rPr lang="de-DE" dirty="0" smtClean="0"/>
+              <a:t> mobile </a:t>
+            </a:r>
+            <a:r>
+              <a:rPr lang="de-DE" dirty="0" err="1" smtClean="0"/>
+              <a:t>networks</a:t>
+            </a:r>
+            <a:endParaRPr lang="de-DE" dirty="0" smtClean="0"/>
+          </a:p>
+        </p:txBody>
+      </p:sp>
+    </p:spTree>
+    <p:extLst>
+      <p:ext uri="{BB962C8B-B14F-4D97-AF65-F5344CB8AC3E}">
+        <p14:creationId xmlns:p14="http://schemas.microsoft.com/office/powerpoint/2010/main" val="385050205"/>
+      </p:ext>
+    </p:extLst>
+  </p:cSld>
+  <p:clrMapOvr>
+    <a:masterClrMapping/>
+  </p:clrMapOvr>
+  <p:timing>
+    <p:tnLst>
+      <p:par>
+        <p:cTn xmlns:p14="http://schemas.microsoft.com/office/powerpoint/2010/main" id="1" dur="indefinite" restart="never" nodeType="tmRoot"/>
+      </p:par>
+    </p:tnLst>
+  </p:timing>
+</p:sld>
+</file>
+
+<file path=ppt/slides/slide11.xml><?xml version="1.0" encoding="utf-8"?>
+<p:sld xmlns:a="http://schemas.openxmlformats.org/drawingml/2006/main" xmlns:r="http://schemas.openxmlformats.org/officeDocument/2006/relationships" xmlns:p="http://schemas.openxmlformats.org/presentationml/2006/main">
+  <p:cSld>
+    <p:spTree>
+      <p:nvGrpSpPr>
+        <p:cNvPr id="1" name=""/>
+        <p:cNvGrpSpPr/>
+        <p:nvPr/>
+      </p:nvGrpSpPr>
+      <p:grpSpPr>
+        <a:xfrm>
+          <a:off x="0" y="0"/>
+          <a:ext cx="0" cy="0"/>
+          <a:chOff x="0" y="0"/>
+          <a:chExt cx="0" cy="0"/>
+        </a:xfrm>
+      </p:grpSpPr>
+      <p:sp>
+        <p:nvSpPr>
+          <p:cNvPr id="2" name="Titel 1"/>
+          <p:cNvSpPr>
+            <a:spLocks noGrp="1"/>
+          </p:cNvSpPr>
+          <p:nvPr>
+            <p:ph type="title"/>
+          </p:nvPr>
+        </p:nvSpPr>
+        <p:spPr/>
+        <p:txBody>
+          <a:bodyPr/>
+          <a:lstStyle/>
+          <a:p>
+            <a:r>
+              <a:rPr lang="de-DE" dirty="0" smtClean="0"/>
+              <a:t>#!/</a:t>
+            </a:r>
+            <a:r>
+              <a:rPr lang="de-DE" dirty="0" err="1" smtClean="0"/>
+              <a:t>why</a:t>
+            </a:r>
+            <a:r>
+              <a:rPr lang="de-DE" dirty="0" smtClean="0"/>
+              <a:t>/2</a:t>
+            </a:r>
+            <a:endParaRPr lang="de-DE" dirty="0"/>
+          </a:p>
+        </p:txBody>
+      </p:sp>
+      <p:sp>
+        <p:nvSpPr>
+          <p:cNvPr id="3" name="Inhaltsplatzhalter 2"/>
+          <p:cNvSpPr>
+            <a:spLocks noGrp="1"/>
+          </p:cNvSpPr>
+          <p:nvPr>
+            <p:ph idx="1"/>
+          </p:nvPr>
+        </p:nvSpPr>
+        <p:spPr/>
+        <p:txBody>
+          <a:bodyPr/>
+          <a:lstStyle/>
+          <a:p>
+            <a:r>
+              <a:rPr lang="de-DE" dirty="0" err="1" smtClean="0"/>
+              <a:t>Transitions</a:t>
+            </a:r>
+            <a:r>
+              <a:rPr lang="de-DE" dirty="0" smtClean="0"/>
+              <a:t> </a:t>
+            </a:r>
+            <a:r>
+              <a:rPr lang="de-DE" dirty="0" err="1" smtClean="0"/>
+              <a:t>between</a:t>
+            </a:r>
+            <a:r>
+              <a:rPr lang="de-DE" dirty="0" smtClean="0"/>
+              <a:t> </a:t>
+            </a:r>
+            <a:r>
+              <a:rPr lang="de-DE" dirty="0" err="1" smtClean="0"/>
+              <a:t>states</a:t>
+            </a:r>
+            <a:endParaRPr lang="de-DE" dirty="0" smtClean="0"/>
+          </a:p>
+          <a:p>
+            <a:pPr lvl="1"/>
+            <a:r>
+              <a:rPr lang="de-DE" dirty="0" smtClean="0"/>
+              <a:t>Immediate Feedback </a:t>
+            </a:r>
+            <a:r>
+              <a:rPr lang="de-DE" dirty="0" err="1" smtClean="0"/>
+              <a:t>and</a:t>
+            </a:r>
+            <a:r>
+              <a:rPr lang="de-DE" dirty="0" smtClean="0"/>
+              <a:t> Interaction Response</a:t>
+            </a:r>
+          </a:p>
+          <a:p>
+            <a:pPr lvl="1"/>
+            <a:r>
+              <a:rPr lang="de-DE" dirty="0" smtClean="0"/>
+              <a:t>Elegant </a:t>
+            </a:r>
+            <a:r>
+              <a:rPr lang="de-DE" dirty="0" err="1" smtClean="0"/>
+              <a:t>way</a:t>
+            </a:r>
+            <a:r>
+              <a:rPr lang="de-DE" dirty="0" smtClean="0"/>
+              <a:t> </a:t>
+            </a:r>
+            <a:r>
+              <a:rPr lang="de-DE" dirty="0" err="1" smtClean="0"/>
+              <a:t>to</a:t>
+            </a:r>
+            <a:r>
+              <a:rPr lang="de-DE" dirty="0" smtClean="0"/>
+              <a:t> </a:t>
+            </a:r>
+            <a:r>
+              <a:rPr lang="de-DE" dirty="0" err="1" smtClean="0"/>
+              <a:t>lead</a:t>
+            </a:r>
+            <a:r>
+              <a:rPr lang="de-DE" dirty="0" smtClean="0"/>
+              <a:t> </a:t>
+            </a:r>
+            <a:r>
+              <a:rPr lang="de-DE" dirty="0" err="1" smtClean="0"/>
+              <a:t>the</a:t>
+            </a:r>
+            <a:r>
+              <a:rPr lang="de-DE" dirty="0" smtClean="0"/>
+              <a:t> </a:t>
+            </a:r>
+            <a:r>
+              <a:rPr lang="de-DE" dirty="0" err="1" smtClean="0"/>
+              <a:t>user</a:t>
+            </a:r>
+            <a:r>
+              <a:rPr lang="de-DE" dirty="0" smtClean="0"/>
+              <a:t> </a:t>
+            </a:r>
+            <a:r>
+              <a:rPr lang="de-DE" dirty="0" err="1" smtClean="0"/>
+              <a:t>through</a:t>
+            </a:r>
+            <a:r>
+              <a:rPr lang="de-DE" dirty="0" smtClean="0"/>
+              <a:t> </a:t>
+            </a:r>
+            <a:r>
+              <a:rPr lang="de-DE" dirty="0" err="1" smtClean="0"/>
+              <a:t>complex</a:t>
+            </a:r>
+            <a:r>
+              <a:rPr lang="de-DE" dirty="0" smtClean="0"/>
+              <a:t> </a:t>
+            </a:r>
+            <a:r>
+              <a:rPr lang="de-DE" dirty="0" err="1" smtClean="0"/>
+              <a:t>processes</a:t>
+            </a:r>
+            <a:endParaRPr lang="de-DE" dirty="0" smtClean="0"/>
+          </a:p>
+          <a:p>
+            <a:r>
+              <a:rPr lang="de-DE" dirty="0" smtClean="0"/>
+              <a:t>Web </a:t>
+            </a:r>
+            <a:r>
+              <a:rPr lang="de-DE" dirty="0" err="1" smtClean="0"/>
+              <a:t>is</a:t>
+            </a:r>
+            <a:r>
+              <a:rPr lang="de-DE" dirty="0" smtClean="0"/>
+              <a:t> not </a:t>
+            </a:r>
+            <a:r>
+              <a:rPr lang="de-DE" dirty="0" err="1" smtClean="0"/>
+              <a:t>silent</a:t>
+            </a:r>
+            <a:endParaRPr lang="de-DE" dirty="0" smtClean="0"/>
+          </a:p>
+          <a:p>
+            <a:pPr lvl="1"/>
+            <a:r>
+              <a:rPr lang="de-DE" dirty="0" err="1" smtClean="0"/>
+              <a:t>Reintroduction</a:t>
+            </a:r>
+            <a:r>
+              <a:rPr lang="de-DE" dirty="0" smtClean="0"/>
+              <a:t> </a:t>
+            </a:r>
+            <a:r>
+              <a:rPr lang="de-DE" dirty="0" err="1" smtClean="0"/>
+              <a:t>of</a:t>
+            </a:r>
+            <a:r>
+              <a:rPr lang="de-DE" dirty="0" smtClean="0"/>
+              <a:t> </a:t>
+            </a:r>
+            <a:r>
+              <a:rPr lang="de-DE" dirty="0" err="1" smtClean="0"/>
+              <a:t>music</a:t>
+            </a:r>
+            <a:r>
+              <a:rPr lang="de-DE" dirty="0" smtClean="0"/>
+              <a:t> </a:t>
+            </a:r>
+            <a:r>
+              <a:rPr lang="de-DE" dirty="0" err="1" smtClean="0"/>
+              <a:t>experience</a:t>
+            </a:r>
+            <a:r>
+              <a:rPr lang="de-DE" dirty="0" smtClean="0"/>
+              <a:t> </a:t>
+            </a:r>
+            <a:r>
+              <a:rPr lang="de-DE" dirty="0" err="1" smtClean="0"/>
+              <a:t>through</a:t>
+            </a:r>
+            <a:r>
+              <a:rPr lang="de-DE" dirty="0" smtClean="0"/>
+              <a:t>-out </a:t>
+            </a:r>
+            <a:r>
+              <a:rPr lang="de-DE" dirty="0" err="1" smtClean="0"/>
+              <a:t>the</a:t>
+            </a:r>
+            <a:r>
+              <a:rPr lang="de-DE" dirty="0" smtClean="0"/>
+              <a:t> Web</a:t>
+            </a:r>
+          </a:p>
+          <a:p>
+            <a:pPr lvl="1"/>
+            <a:r>
+              <a:rPr lang="de-DE" dirty="0" smtClean="0"/>
+              <a:t>Separate </a:t>
+            </a:r>
+            <a:r>
+              <a:rPr lang="de-DE" dirty="0" err="1" smtClean="0"/>
+              <a:t>information</a:t>
+            </a:r>
+            <a:r>
+              <a:rPr lang="de-DE" dirty="0" smtClean="0"/>
+              <a:t> </a:t>
+            </a:r>
+            <a:r>
+              <a:rPr lang="de-DE" dirty="0" err="1" smtClean="0"/>
+              <a:t>flows</a:t>
+            </a:r>
+            <a:r>
+              <a:rPr lang="de-DE" dirty="0" smtClean="0"/>
+              <a:t> </a:t>
+            </a:r>
+            <a:r>
+              <a:rPr lang="de-DE" dirty="0" err="1" smtClean="0"/>
+              <a:t>are</a:t>
+            </a:r>
+            <a:r>
+              <a:rPr lang="de-DE" dirty="0" smtClean="0"/>
+              <a:t> not </a:t>
+            </a:r>
+            <a:r>
+              <a:rPr lang="de-DE" dirty="0" err="1" smtClean="0"/>
+              <a:t>interrupted</a:t>
+            </a:r>
+            <a:r>
+              <a:rPr lang="de-DE" dirty="0" smtClean="0"/>
+              <a:t> (</a:t>
+            </a:r>
+            <a:r>
+              <a:rPr lang="de-DE" dirty="0" err="1" smtClean="0"/>
+              <a:t>chat</a:t>
+            </a:r>
+            <a:r>
+              <a:rPr lang="de-DE" dirty="0" smtClean="0"/>
+              <a:t>, </a:t>
+            </a:r>
+            <a:r>
+              <a:rPr lang="de-DE" dirty="0" err="1" smtClean="0"/>
+              <a:t>music</a:t>
+            </a:r>
+            <a:r>
+              <a:rPr lang="de-DE" dirty="0" smtClean="0"/>
+              <a:t> </a:t>
+            </a:r>
+            <a:r>
+              <a:rPr lang="de-DE" dirty="0" err="1" smtClean="0"/>
+              <a:t>player</a:t>
+            </a:r>
+            <a:r>
+              <a:rPr lang="de-DE" dirty="0" smtClean="0"/>
+              <a:t>, </a:t>
+            </a:r>
+            <a:r>
+              <a:rPr lang="de-DE" dirty="0" err="1" smtClean="0"/>
+              <a:t>file</a:t>
+            </a:r>
+            <a:r>
+              <a:rPr lang="de-DE" dirty="0" smtClean="0"/>
+              <a:t> </a:t>
+            </a:r>
+            <a:r>
+              <a:rPr lang="de-DE" dirty="0" err="1" smtClean="0"/>
+              <a:t>transfers</a:t>
+            </a:r>
+            <a:r>
+              <a:rPr lang="de-DE" dirty="0" smtClean="0"/>
+              <a:t>...)</a:t>
+            </a:r>
+            <a:endParaRPr lang="de-DE" dirty="0" smtClean="0"/>
+          </a:p>
+        </p:txBody>
+      </p:sp>
+    </p:spTree>
+    <p:extLst>
+      <p:ext uri="{BB962C8B-B14F-4D97-AF65-F5344CB8AC3E}">
+        <p14:creationId xmlns:p14="http://schemas.microsoft.com/office/powerpoint/2010/main" val="1685397997"/>
+      </p:ext>
+    </p:extLst>
+  </p:cSld>
+  <p:clrMapOvr>
+    <a:masterClrMapping/>
+  </p:clrMapOvr>
+  <p:timing>
+    <p:tnLst>
+      <p:par>
+        <p:cTn xmlns:p14="http://schemas.microsoft.com/office/powerpoint/2010/main" id="1" dur="indefinite" restart="never" nodeType="tmRoot"/>
+      </p:par>
+    </p:tnLst>
+  </p:timing>
+</p:sld>
+</file>
+
+<file path=ppt/slides/slide12.xml><?xml version="1.0" encoding="utf-8"?>
+<p:sld xmlns:a="http://schemas.openxmlformats.org/drawingml/2006/main" xmlns:r="http://schemas.openxmlformats.org/officeDocument/2006/relationships" xmlns:p="http://schemas.openxmlformats.org/presentationml/2006/main">
+  <p:cSld>
+    <p:spTree>
+      <p:nvGrpSpPr>
+        <p:cNvPr id="1" name=""/>
+        <p:cNvGrpSpPr/>
+        <p:nvPr/>
+      </p:nvGrpSpPr>
+      <p:grpSpPr>
+        <a:xfrm>
+          <a:off x="0" y="0"/>
+          <a:ext cx="0" cy="0"/>
+          <a:chOff x="0" y="0"/>
+          <a:chExt cx="0" cy="0"/>
+        </a:xfrm>
+      </p:grpSpPr>
+      <p:sp>
+        <p:nvSpPr>
+          <p:cNvPr id="2" name="Titel 1"/>
+          <p:cNvSpPr>
+            <a:spLocks noGrp="1"/>
+          </p:cNvSpPr>
+          <p:nvPr>
+            <p:ph type="title"/>
+          </p:nvPr>
+        </p:nvSpPr>
+        <p:spPr/>
+        <p:txBody>
+          <a:bodyPr/>
+          <a:lstStyle/>
+          <a:p>
+            <a:r>
+              <a:rPr lang="de-DE" dirty="0" smtClean="0"/>
+              <a:t>#!/</a:t>
+            </a:r>
+            <a:r>
+              <a:rPr lang="de-DE" dirty="0" err="1" smtClean="0"/>
+              <a:t>why</a:t>
+            </a:r>
+            <a:r>
+              <a:rPr lang="de-DE" dirty="0" smtClean="0"/>
+              <a:t>/not</a:t>
+            </a:r>
+            <a:endParaRPr lang="de-DE" dirty="0"/>
+          </a:p>
+        </p:txBody>
+      </p:sp>
+      <p:sp>
+        <p:nvSpPr>
+          <p:cNvPr id="3" name="Inhaltsplatzhalter 2"/>
+          <p:cNvSpPr>
+            <a:spLocks noGrp="1"/>
+          </p:cNvSpPr>
+          <p:nvPr>
+            <p:ph idx="1"/>
+          </p:nvPr>
+        </p:nvSpPr>
+        <p:spPr/>
+        <p:txBody>
+          <a:bodyPr>
+            <a:normAutofit lnSpcReduction="10000"/>
+          </a:bodyPr>
+          <a:lstStyle/>
+          <a:p>
+            <a:r>
+              <a:rPr lang="de-DE" dirty="0" err="1" smtClean="0"/>
+              <a:t>Existing</a:t>
+            </a:r>
+            <a:r>
+              <a:rPr lang="de-DE" dirty="0" smtClean="0"/>
+              <a:t> </a:t>
+            </a:r>
+            <a:r>
+              <a:rPr lang="de-DE" dirty="0" err="1" smtClean="0"/>
+              <a:t>page</a:t>
+            </a:r>
+            <a:r>
+              <a:rPr lang="de-DE" dirty="0" smtClean="0"/>
+              <a:t> </a:t>
+            </a:r>
+            <a:r>
+              <a:rPr lang="de-DE" dirty="0" err="1" smtClean="0"/>
+              <a:t>with</a:t>
+            </a:r>
+            <a:r>
+              <a:rPr lang="de-DE" dirty="0" smtClean="0"/>
+              <a:t> a </a:t>
+            </a:r>
+            <a:r>
+              <a:rPr lang="de-DE" dirty="0" err="1" smtClean="0"/>
+              <a:t>good</a:t>
+            </a:r>
+            <a:r>
+              <a:rPr lang="de-DE" dirty="0" smtClean="0"/>
+              <a:t> </a:t>
+            </a:r>
+            <a:r>
+              <a:rPr lang="de-DE" dirty="0" err="1" smtClean="0"/>
+              <a:t>pagerank</a:t>
+            </a:r>
+            <a:r>
+              <a:rPr lang="de-DE" dirty="0" smtClean="0"/>
+              <a:t>, </a:t>
+            </a:r>
+            <a:r>
+              <a:rPr lang="de-DE" dirty="0" err="1" smtClean="0"/>
+              <a:t>hundreds</a:t>
+            </a:r>
+            <a:r>
+              <a:rPr lang="de-DE" dirty="0" smtClean="0"/>
+              <a:t> </a:t>
+            </a:r>
+            <a:r>
+              <a:rPr lang="de-DE" dirty="0" err="1" smtClean="0"/>
+              <a:t>of</a:t>
+            </a:r>
+            <a:r>
+              <a:rPr lang="de-DE" dirty="0" smtClean="0"/>
+              <a:t> </a:t>
+            </a:r>
+            <a:r>
+              <a:rPr lang="de-DE" dirty="0" err="1" smtClean="0"/>
+              <a:t>indexed</a:t>
+            </a:r>
+            <a:r>
+              <a:rPr lang="de-DE" dirty="0" smtClean="0"/>
+              <a:t> </a:t>
+            </a:r>
+            <a:r>
+              <a:rPr lang="de-DE" dirty="0" err="1" smtClean="0"/>
+              <a:t>urls</a:t>
+            </a:r>
+            <a:endParaRPr lang="de-DE" dirty="0"/>
+          </a:p>
+          <a:p>
+            <a:pPr lvl="1"/>
+            <a:r>
+              <a:rPr lang="de-DE" dirty="0" err="1" smtClean="0"/>
+              <a:t>gawker.com</a:t>
+            </a:r>
+            <a:r>
+              <a:rPr lang="de-DE" dirty="0"/>
+              <a:t> </a:t>
+            </a:r>
+            <a:r>
+              <a:rPr lang="de-DE" dirty="0" smtClean="0">
+                <a:sym typeface="Wingdings"/>
+              </a:rPr>
+              <a:t></a:t>
+            </a:r>
+            <a:r>
+              <a:rPr lang="de-DE" dirty="0" smtClean="0"/>
+              <a:t> All links </a:t>
+            </a:r>
+            <a:r>
+              <a:rPr lang="de-DE" dirty="0" err="1" smtClean="0"/>
+              <a:t>from</a:t>
+            </a:r>
+            <a:r>
+              <a:rPr lang="de-DE" dirty="0" smtClean="0"/>
+              <a:t> Google </a:t>
+            </a:r>
+            <a:r>
+              <a:rPr lang="de-DE" dirty="0" err="1" smtClean="0"/>
+              <a:t>were</a:t>
+            </a:r>
+            <a:r>
+              <a:rPr lang="de-DE" dirty="0" smtClean="0"/>
+              <a:t> </a:t>
+            </a:r>
+            <a:r>
+              <a:rPr lang="de-DE" dirty="0" err="1" smtClean="0"/>
+              <a:t>broken</a:t>
+            </a:r>
+            <a:endParaRPr lang="de-DE" dirty="0" smtClean="0"/>
+          </a:p>
+          <a:p>
+            <a:r>
+              <a:rPr lang="de-DE" dirty="0" smtClean="0"/>
+              <a:t>Intensive Data</a:t>
+            </a:r>
+          </a:p>
+          <a:p>
+            <a:pPr lvl="1"/>
+            <a:r>
+              <a:rPr lang="de-DE" dirty="0" err="1" smtClean="0"/>
+              <a:t>You</a:t>
+            </a:r>
+            <a:r>
+              <a:rPr lang="de-DE" dirty="0" smtClean="0"/>
+              <a:t> </a:t>
+            </a:r>
+            <a:r>
+              <a:rPr lang="de-DE" dirty="0" err="1" smtClean="0"/>
+              <a:t>shouldn‘t</a:t>
+            </a:r>
+            <a:r>
+              <a:rPr lang="de-DE" dirty="0" smtClean="0"/>
+              <a:t> </a:t>
+            </a:r>
+            <a:r>
+              <a:rPr lang="de-DE" dirty="0" err="1" smtClean="0"/>
+              <a:t>develop</a:t>
+            </a:r>
+            <a:r>
+              <a:rPr lang="de-DE" dirty="0" smtClean="0"/>
+              <a:t> a </a:t>
+            </a:r>
+            <a:r>
+              <a:rPr lang="de-DE" dirty="0" err="1" smtClean="0"/>
+              <a:t>banking</a:t>
+            </a:r>
+            <a:r>
+              <a:rPr lang="de-DE" dirty="0" smtClean="0"/>
+              <a:t> </a:t>
+            </a:r>
+            <a:r>
+              <a:rPr lang="de-DE" dirty="0" err="1" smtClean="0"/>
+              <a:t>page</a:t>
+            </a:r>
+            <a:r>
+              <a:rPr lang="de-DE" dirty="0" smtClean="0"/>
+              <a:t> </a:t>
+            </a:r>
+            <a:r>
+              <a:rPr lang="de-DE" dirty="0" err="1" smtClean="0"/>
+              <a:t>like</a:t>
+            </a:r>
+            <a:r>
+              <a:rPr lang="de-DE" dirty="0" smtClean="0"/>
+              <a:t> </a:t>
+            </a:r>
+            <a:r>
+              <a:rPr lang="de-DE" dirty="0" err="1" smtClean="0"/>
+              <a:t>that</a:t>
+            </a:r>
+            <a:endParaRPr lang="de-DE" dirty="0" smtClean="0"/>
+          </a:p>
+          <a:p>
+            <a:pPr lvl="1"/>
+            <a:r>
+              <a:rPr lang="de-DE" dirty="0" err="1" smtClean="0"/>
+              <a:t>Inspect</a:t>
+            </a:r>
+            <a:r>
+              <a:rPr lang="de-DE" dirty="0" smtClean="0"/>
+              <a:t> Element / See </a:t>
+            </a:r>
+            <a:r>
+              <a:rPr lang="de-DE" dirty="0" err="1" smtClean="0"/>
+              <a:t>source</a:t>
+            </a:r>
+            <a:r>
+              <a:rPr lang="de-DE" dirty="0" smtClean="0"/>
+              <a:t> </a:t>
+            </a:r>
+            <a:r>
+              <a:rPr lang="de-DE" dirty="0" smtClean="0">
+                <a:sym typeface="Wingdings"/>
+              </a:rPr>
+              <a:t> </a:t>
+            </a:r>
+            <a:r>
+              <a:rPr lang="de-DE" dirty="0" err="1" smtClean="0">
+                <a:sym typeface="Wingdings"/>
+              </a:rPr>
+              <a:t>Your</a:t>
+            </a:r>
+            <a:r>
+              <a:rPr lang="de-DE" dirty="0" smtClean="0">
+                <a:sym typeface="Wingdings"/>
+              </a:rPr>
+              <a:t> </a:t>
+            </a:r>
+            <a:r>
+              <a:rPr lang="de-DE" dirty="0" err="1" smtClean="0">
+                <a:sym typeface="Wingdings"/>
+              </a:rPr>
+              <a:t>business</a:t>
+            </a:r>
+            <a:r>
+              <a:rPr lang="de-DE" dirty="0" smtClean="0">
+                <a:sym typeface="Wingdings"/>
+              </a:rPr>
+              <a:t> </a:t>
+            </a:r>
+            <a:r>
+              <a:rPr lang="de-DE" dirty="0" err="1" smtClean="0">
+                <a:sym typeface="Wingdings"/>
+              </a:rPr>
+              <a:t>logic</a:t>
+            </a:r>
+            <a:r>
+              <a:rPr lang="de-DE" dirty="0" smtClean="0">
+                <a:sym typeface="Wingdings"/>
+              </a:rPr>
+              <a:t> </a:t>
+            </a:r>
+            <a:r>
+              <a:rPr lang="de-DE" dirty="0" err="1" smtClean="0">
+                <a:sym typeface="Wingdings"/>
+              </a:rPr>
+              <a:t>exposed</a:t>
+            </a:r>
+            <a:r>
+              <a:rPr lang="de-DE" dirty="0" smtClean="0">
+                <a:sym typeface="Wingdings"/>
+              </a:rPr>
+              <a:t> </a:t>
+            </a:r>
+            <a:r>
+              <a:rPr lang="de-DE" dirty="0" err="1" smtClean="0">
+                <a:sym typeface="Wingdings"/>
+              </a:rPr>
+              <a:t>to</a:t>
+            </a:r>
+            <a:r>
+              <a:rPr lang="de-DE" dirty="0" smtClean="0">
+                <a:sym typeface="Wingdings"/>
+              </a:rPr>
+              <a:t> </a:t>
+            </a:r>
+            <a:r>
+              <a:rPr lang="de-DE" dirty="0" err="1" smtClean="0">
+                <a:sym typeface="Wingdings"/>
+              </a:rPr>
+              <a:t>the</a:t>
+            </a:r>
+            <a:r>
+              <a:rPr lang="de-DE" dirty="0" smtClean="0">
+                <a:sym typeface="Wingdings"/>
+              </a:rPr>
+              <a:t> </a:t>
+            </a:r>
+            <a:r>
+              <a:rPr lang="de-DE" dirty="0" err="1" smtClean="0">
+                <a:sym typeface="Wingdings"/>
+              </a:rPr>
+              <a:t>user</a:t>
+            </a:r>
+            <a:endParaRPr lang="de-DE" dirty="0" smtClean="0">
+              <a:sym typeface="Wingdings"/>
+            </a:endParaRPr>
+          </a:p>
+          <a:p>
+            <a:r>
+              <a:rPr lang="de-DE" dirty="0" err="1" smtClean="0"/>
+              <a:t>Your</a:t>
+            </a:r>
+            <a:r>
+              <a:rPr lang="de-DE" dirty="0" smtClean="0"/>
+              <a:t> </a:t>
+            </a:r>
+            <a:r>
+              <a:rPr lang="de-DE" dirty="0" err="1" smtClean="0"/>
+              <a:t>page</a:t>
+            </a:r>
+            <a:r>
+              <a:rPr lang="de-DE" dirty="0" smtClean="0"/>
+              <a:t> </a:t>
+            </a:r>
+            <a:r>
+              <a:rPr lang="de-DE" dirty="0" err="1" smtClean="0"/>
+              <a:t>relies</a:t>
+            </a:r>
+            <a:r>
+              <a:rPr lang="de-DE" dirty="0" smtClean="0"/>
+              <a:t> on </a:t>
+            </a:r>
+            <a:r>
+              <a:rPr lang="de-DE" dirty="0" err="1" smtClean="0"/>
+              <a:t>the</a:t>
+            </a:r>
+            <a:r>
+              <a:rPr lang="de-DE" dirty="0" smtClean="0"/>
+              <a:t> JavaScript </a:t>
+            </a:r>
+            <a:r>
+              <a:rPr lang="de-DE" dirty="0" err="1" smtClean="0"/>
+              <a:t>performance</a:t>
+            </a:r>
+            <a:r>
+              <a:rPr lang="de-DE" dirty="0" smtClean="0"/>
+              <a:t> </a:t>
+            </a:r>
+            <a:r>
+              <a:rPr lang="de-DE" dirty="0" err="1" smtClean="0"/>
+              <a:t>of</a:t>
+            </a:r>
+            <a:r>
+              <a:rPr lang="de-DE" dirty="0" smtClean="0"/>
+              <a:t> </a:t>
+            </a:r>
+            <a:r>
+              <a:rPr lang="de-DE" dirty="0" err="1" smtClean="0"/>
+              <a:t>your</a:t>
+            </a:r>
+            <a:r>
+              <a:rPr lang="de-DE" dirty="0" smtClean="0"/>
+              <a:t> </a:t>
+            </a:r>
+            <a:r>
+              <a:rPr lang="de-DE" dirty="0" err="1" smtClean="0"/>
+              <a:t>clients</a:t>
+            </a:r>
+            <a:endParaRPr lang="de-DE" dirty="0" smtClean="0"/>
+          </a:p>
+          <a:p>
+            <a:pPr lvl="1"/>
+            <a:r>
+              <a:rPr lang="de-DE" dirty="0" err="1" smtClean="0"/>
+              <a:t>bad</a:t>
+            </a:r>
+            <a:r>
+              <a:rPr lang="de-DE" dirty="0" smtClean="0"/>
+              <a:t> UX </a:t>
+            </a:r>
+            <a:r>
+              <a:rPr lang="de-DE" dirty="0" err="1" smtClean="0"/>
+              <a:t>with</a:t>
+            </a:r>
+            <a:r>
+              <a:rPr lang="de-DE" dirty="0" smtClean="0"/>
+              <a:t> </a:t>
+            </a:r>
+            <a:r>
+              <a:rPr lang="de-DE" dirty="0" err="1" smtClean="0"/>
+              <a:t>slow</a:t>
+            </a:r>
+            <a:r>
+              <a:rPr lang="de-DE" dirty="0" smtClean="0"/>
+              <a:t> </a:t>
+            </a:r>
+            <a:r>
+              <a:rPr lang="de-DE" dirty="0" err="1" smtClean="0"/>
+              <a:t>browsers</a:t>
+            </a:r>
+            <a:endParaRPr lang="de-DE" dirty="0" smtClean="0"/>
+          </a:p>
+          <a:p>
+            <a:pPr lvl="1"/>
+            <a:r>
+              <a:rPr lang="de-DE" dirty="0" err="1" smtClean="0"/>
+              <a:t>Make</a:t>
+            </a:r>
+            <a:r>
+              <a:rPr lang="de-DE" dirty="0" smtClean="0"/>
+              <a:t> </a:t>
+            </a:r>
+            <a:r>
+              <a:rPr lang="de-DE" dirty="0" err="1" smtClean="0"/>
+              <a:t>sure</a:t>
+            </a:r>
+            <a:r>
+              <a:rPr lang="de-DE" dirty="0" smtClean="0"/>
+              <a:t> JavaScript </a:t>
+            </a:r>
+            <a:r>
+              <a:rPr lang="de-DE" dirty="0" err="1" smtClean="0"/>
+              <a:t>is</a:t>
+            </a:r>
+            <a:r>
+              <a:rPr lang="de-DE" dirty="0" smtClean="0"/>
+              <a:t> </a:t>
+            </a:r>
+            <a:r>
+              <a:rPr lang="de-DE" dirty="0" err="1" smtClean="0"/>
+              <a:t>enabled</a:t>
+            </a:r>
+            <a:r>
+              <a:rPr lang="de-DE" dirty="0" smtClean="0"/>
+              <a:t> (&lt;</a:t>
+            </a:r>
+            <a:r>
+              <a:rPr lang="de-DE" dirty="0" err="1" smtClean="0"/>
+              <a:t>noscript</a:t>
+            </a:r>
+            <a:r>
+              <a:rPr lang="de-DE" dirty="0" smtClean="0"/>
+              <a:t>/&gt; </a:t>
+            </a:r>
+            <a:r>
+              <a:rPr lang="de-DE" dirty="0" err="1" smtClean="0"/>
+              <a:t>ftw</a:t>
+            </a:r>
+            <a:r>
+              <a:rPr lang="de-DE" dirty="0" smtClean="0"/>
+              <a:t>!)</a:t>
+            </a:r>
+          </a:p>
+        </p:txBody>
+      </p:sp>
+    </p:spTree>
+    <p:extLst>
+      <p:ext uri="{BB962C8B-B14F-4D97-AF65-F5344CB8AC3E}">
+        <p14:creationId xmlns:p14="http://schemas.microsoft.com/office/powerpoint/2010/main" val="815574000"/>
+      </p:ext>
+    </p:extLst>
+  </p:cSld>
+  <p:clrMapOvr>
+    <a:masterClrMapping/>
+  </p:clrMapOvr>
+  <p:timing>
+    <p:tnLst>
+      <p:par>
+        <p:cTn xmlns:p14="http://schemas.microsoft.com/office/powerpoint/2010/main" id="1" dur="indefinite" restart="never" nodeType="tmRoot"/>
+      </p:par>
+    </p:tnLst>
+  </p:timing>
+</p:sld>
+</file>
+
+<file path=ppt/slides/slide13.xml><?xml version="1.0" encoding="utf-8"?>
+<p:sld xmlns:a="http://schemas.openxmlformats.org/drawingml/2006/main" xmlns:r="http://schemas.openxmlformats.org/officeDocument/2006/relationships" xmlns:p="http://schemas.openxmlformats.org/presentationml/2006/main">
+  <p:cSld>
+    <p:spTree>
+      <p:nvGrpSpPr>
+        <p:cNvPr id="1" name=""/>
+        <p:cNvGrpSpPr/>
+        <p:nvPr/>
+      </p:nvGrpSpPr>
+      <p:grpSpPr>
+        <a:xfrm>
+          <a:off x="0" y="0"/>
+          <a:ext cx="0" cy="0"/>
+          <a:chOff x="0" y="0"/>
+          <a:chExt cx="0" cy="0"/>
+        </a:xfrm>
+      </p:grpSpPr>
+      <p:sp>
+        <p:nvSpPr>
+          <p:cNvPr id="2" name="Titel 1"/>
+          <p:cNvSpPr>
+            <a:spLocks noGrp="1"/>
+          </p:cNvSpPr>
+          <p:nvPr>
+            <p:ph type="title"/>
+          </p:nvPr>
+        </p:nvSpPr>
+        <p:spPr/>
+        <p:txBody>
+          <a:bodyPr/>
+          <a:lstStyle/>
+          <a:p>
+            <a:r>
+              <a:rPr lang="de-DE" dirty="0" smtClean="0"/>
+              <a:t>#!/</a:t>
+            </a:r>
+            <a:r>
+              <a:rPr lang="de-DE" dirty="0" err="1" smtClean="0"/>
+              <a:t>tools</a:t>
+            </a:r>
+            <a:endParaRPr lang="de-DE" dirty="0"/>
+          </a:p>
+        </p:txBody>
+      </p:sp>
+      <p:sp>
+        <p:nvSpPr>
+          <p:cNvPr id="3" name="Inhaltsplatzhalter 2"/>
+          <p:cNvSpPr>
+            <a:spLocks noGrp="1"/>
+          </p:cNvSpPr>
+          <p:nvPr>
+            <p:ph idx="1"/>
+          </p:nvPr>
+        </p:nvSpPr>
+        <p:spPr/>
+        <p:txBody>
+          <a:bodyPr/>
+          <a:lstStyle/>
+          <a:p>
+            <a:r>
+              <a:rPr lang="de-DE" dirty="0" err="1" smtClean="0"/>
+              <a:t>Backbone.js</a:t>
+            </a:r>
+            <a:r>
+              <a:rPr lang="de-DE" dirty="0" smtClean="0"/>
+              <a:t> </a:t>
+            </a:r>
+            <a:r>
+              <a:rPr lang="de-DE" dirty="0"/>
+              <a:t>- </a:t>
+            </a:r>
+            <a:r>
+              <a:rPr lang="de-DE" dirty="0">
+                <a:hlinkClick r:id="rId2"/>
+              </a:rPr>
+              <a:t>http://documentcloud.github.com/backbone</a:t>
+            </a:r>
+            <a:r>
+              <a:rPr lang="de-DE" dirty="0" smtClean="0">
+                <a:hlinkClick r:id="rId2"/>
+              </a:rPr>
+              <a:t>/</a:t>
+            </a:r>
+            <a:r>
+              <a:rPr lang="de-DE" dirty="0" smtClean="0"/>
+              <a:t> </a:t>
+            </a:r>
+          </a:p>
+          <a:p>
+            <a:pPr lvl="1"/>
+            <a:r>
+              <a:rPr lang="de-DE" dirty="0" smtClean="0"/>
+              <a:t>MVC – in JavaScript</a:t>
+            </a:r>
+          </a:p>
+          <a:p>
+            <a:pPr lvl="1"/>
+            <a:r>
+              <a:rPr lang="de-DE" dirty="0" smtClean="0"/>
+              <a:t>Easy Backend </a:t>
+            </a:r>
+            <a:r>
+              <a:rPr lang="de-DE" dirty="0" err="1" smtClean="0"/>
+              <a:t>integration</a:t>
+            </a:r>
+            <a:endParaRPr lang="de-DE" dirty="0"/>
+          </a:p>
+          <a:p>
+            <a:r>
+              <a:rPr lang="de-DE" dirty="0" err="1" smtClean="0"/>
+              <a:t>SammyJS</a:t>
+            </a:r>
+            <a:r>
+              <a:rPr lang="de-DE" dirty="0" smtClean="0"/>
+              <a:t> - </a:t>
+            </a:r>
+            <a:r>
+              <a:rPr lang="de-DE" dirty="0" smtClean="0">
+                <a:hlinkClick r:id="rId3"/>
+              </a:rPr>
+              <a:t>http</a:t>
+            </a:r>
+            <a:r>
+              <a:rPr lang="de-DE" dirty="0">
+                <a:hlinkClick r:id="rId3"/>
+              </a:rPr>
+              <a:t>://sammyjs.org</a:t>
+            </a:r>
+            <a:r>
+              <a:rPr lang="de-DE" dirty="0" smtClean="0">
+                <a:hlinkClick r:id="rId3"/>
+              </a:rPr>
+              <a:t>/</a:t>
+            </a:r>
+            <a:r>
+              <a:rPr lang="de-DE" dirty="0" smtClean="0"/>
+              <a:t> </a:t>
+            </a:r>
+          </a:p>
+          <a:p>
+            <a:r>
+              <a:rPr lang="de-DE" dirty="0"/>
+              <a:t>brunch - </a:t>
+            </a:r>
+            <a:r>
+              <a:rPr lang="de-DE" dirty="0">
+                <a:hlinkClick r:id="rId4"/>
+              </a:rPr>
+              <a:t>https://github.com/brunch/</a:t>
+            </a:r>
+            <a:r>
+              <a:rPr lang="de-DE" dirty="0" smtClean="0">
+                <a:hlinkClick r:id="rId4"/>
+              </a:rPr>
+              <a:t>brunch</a:t>
+            </a:r>
+            <a:r>
+              <a:rPr lang="de-DE" dirty="0" smtClean="0"/>
+              <a:t> </a:t>
+            </a:r>
+          </a:p>
+          <a:p>
+            <a:pPr lvl="1"/>
+            <a:r>
+              <a:rPr lang="de-DE" dirty="0" err="1" smtClean="0"/>
+              <a:t>Toolchain</a:t>
+            </a:r>
+            <a:r>
+              <a:rPr lang="de-DE" dirty="0" smtClean="0"/>
+              <a:t> </a:t>
+            </a:r>
+            <a:r>
+              <a:rPr lang="de-DE" dirty="0" err="1" smtClean="0"/>
+              <a:t>for</a:t>
+            </a:r>
+            <a:r>
+              <a:rPr lang="de-DE" dirty="0" smtClean="0"/>
+              <a:t> Single Page Web Apps</a:t>
+            </a:r>
+          </a:p>
+          <a:p>
+            <a:pPr lvl="1"/>
+            <a:r>
+              <a:rPr lang="de-DE" dirty="0" smtClean="0"/>
+              <a:t>Clean </a:t>
+            </a:r>
+            <a:r>
+              <a:rPr lang="de-DE" dirty="0" err="1" smtClean="0"/>
+              <a:t>project</a:t>
+            </a:r>
+            <a:r>
+              <a:rPr lang="de-DE" dirty="0" smtClean="0"/>
+              <a:t> </a:t>
+            </a:r>
+            <a:r>
+              <a:rPr lang="de-DE" dirty="0" err="1" smtClean="0"/>
+              <a:t>structure</a:t>
+            </a:r>
+            <a:r>
+              <a:rPr lang="de-DE" dirty="0" smtClean="0"/>
+              <a:t> </a:t>
+            </a:r>
+            <a:r>
+              <a:rPr lang="de-DE" dirty="0" smtClean="0">
+                <a:sym typeface="Wingdings"/>
+              </a:rPr>
+              <a:t> </a:t>
+            </a:r>
+            <a:r>
+              <a:rPr lang="de-DE" dirty="0" err="1" smtClean="0">
+                <a:sym typeface="Wingdings"/>
+              </a:rPr>
+              <a:t>automatic</a:t>
+            </a:r>
+            <a:r>
+              <a:rPr lang="de-DE" dirty="0" smtClean="0">
+                <a:sym typeface="Wingdings"/>
+              </a:rPr>
+              <a:t> </a:t>
+            </a:r>
+            <a:r>
+              <a:rPr lang="de-DE" dirty="0" err="1" smtClean="0">
+                <a:sym typeface="Wingdings"/>
+              </a:rPr>
+              <a:t>builds</a:t>
+            </a:r>
+            <a:endParaRPr lang="de-DE" dirty="0" smtClean="0"/>
+          </a:p>
+          <a:p>
+            <a:pPr lvl="1"/>
+            <a:r>
+              <a:rPr lang="de-DE" dirty="0" err="1" smtClean="0"/>
+              <a:t>Buzzword</a:t>
+            </a:r>
+            <a:r>
+              <a:rPr lang="de-DE" dirty="0" smtClean="0"/>
+              <a:t> </a:t>
+            </a:r>
+            <a:r>
+              <a:rPr lang="de-DE" dirty="0" err="1" smtClean="0"/>
+              <a:t>mayhem</a:t>
+            </a:r>
+            <a:r>
+              <a:rPr lang="de-DE" dirty="0" smtClean="0"/>
+              <a:t>: </a:t>
+            </a:r>
+            <a:r>
+              <a:rPr lang="de-DE" dirty="0" err="1" smtClean="0"/>
+              <a:t>CoffeeScript</a:t>
+            </a:r>
+            <a:r>
+              <a:rPr lang="de-DE" dirty="0" smtClean="0"/>
+              <a:t> / </a:t>
+            </a:r>
+            <a:r>
+              <a:rPr lang="de-DE" dirty="0" err="1" smtClean="0"/>
+              <a:t>Backbone.js</a:t>
+            </a:r>
+            <a:r>
+              <a:rPr lang="de-DE" dirty="0" smtClean="0"/>
+              <a:t> / Eco / Stylus</a:t>
+            </a:r>
+          </a:p>
+        </p:txBody>
+      </p:sp>
+    </p:spTree>
+    <p:extLst>
+      <p:ext uri="{BB962C8B-B14F-4D97-AF65-F5344CB8AC3E}">
+        <p14:creationId xmlns:p14="http://schemas.microsoft.com/office/powerpoint/2010/main" val="2482348623"/>
+      </p:ext>
+    </p:extLst>
+  </p:cSld>
+  <p:clrMapOvr>
+    <a:masterClrMapping/>
+  </p:clrMapOvr>
+  <p:timing>
+    <p:tnLst>
+      <p:par>
+        <p:cTn xmlns:p14="http://schemas.microsoft.com/office/powerpoint/2010/main" id="1" dur="indefinite" restart="never" nodeType="tmRoot"/>
+      </p:par>
+    </p:tnLst>
+  </p:timing>
+</p:sld>
+</file>
+
+<file path=ppt/slides/slide14.xml><?xml version="1.0" encoding="utf-8"?>
+<p:sld xmlns:a="http://schemas.openxmlformats.org/drawingml/2006/main" xmlns:r="http://schemas.openxmlformats.org/officeDocument/2006/relationships" xmlns:p="http://schemas.openxmlformats.org/presentationml/2006/main">
+  <p:cSld>
+    <p:spTree>
+      <p:nvGrpSpPr>
+        <p:cNvPr id="1" name=""/>
+        <p:cNvGrpSpPr/>
+        <p:nvPr/>
+      </p:nvGrpSpPr>
+      <p:grpSpPr>
+        <a:xfrm>
+          <a:off x="0" y="0"/>
+          <a:ext cx="0" cy="0"/>
+          <a:chOff x="0" y="0"/>
+          <a:chExt cx="0" cy="0"/>
+        </a:xfrm>
+      </p:grpSpPr>
+      <p:sp>
+        <p:nvSpPr>
+          <p:cNvPr id="2" name="Titel 1"/>
+          <p:cNvSpPr>
+            <a:spLocks noGrp="1"/>
+          </p:cNvSpPr>
+          <p:nvPr>
+            <p:ph type="title"/>
+          </p:nvPr>
+        </p:nvSpPr>
+        <p:spPr/>
+        <p:txBody>
+          <a:bodyPr/>
+          <a:lstStyle/>
+          <a:p>
+            <a:r>
+              <a:rPr lang="de-DE" dirty="0" smtClean="0"/>
+              <a:t>#!/</a:t>
+            </a:r>
+            <a:r>
+              <a:rPr lang="de-DE" dirty="0" err="1" smtClean="0"/>
+              <a:t>hosting</a:t>
+            </a:r>
+            <a:endParaRPr lang="de-DE" dirty="0"/>
+          </a:p>
+        </p:txBody>
+      </p:sp>
+      <p:sp>
+        <p:nvSpPr>
+          <p:cNvPr id="3" name="Inhaltsplatzhalter 2"/>
+          <p:cNvSpPr>
+            <a:spLocks noGrp="1"/>
+          </p:cNvSpPr>
+          <p:nvPr>
+            <p:ph idx="1"/>
+          </p:nvPr>
+        </p:nvSpPr>
+        <p:spPr/>
+        <p:txBody>
+          <a:bodyPr/>
+          <a:lstStyle/>
+          <a:p>
+            <a:r>
+              <a:rPr lang="de-DE" dirty="0" err="1" smtClean="0"/>
+              <a:t>Easily</a:t>
+            </a:r>
+            <a:r>
+              <a:rPr lang="de-DE" dirty="0" smtClean="0"/>
+              <a:t> </a:t>
+            </a:r>
+            <a:r>
+              <a:rPr lang="de-DE" dirty="0" err="1" smtClean="0"/>
+              <a:t>integration</a:t>
+            </a:r>
+            <a:r>
+              <a:rPr lang="de-DE" dirty="0" smtClean="0"/>
+              <a:t> </a:t>
+            </a:r>
+            <a:r>
+              <a:rPr lang="de-DE" dirty="0" err="1" smtClean="0"/>
+              <a:t>into</a:t>
+            </a:r>
+            <a:r>
+              <a:rPr lang="de-DE" dirty="0" smtClean="0"/>
+              <a:t> </a:t>
+            </a:r>
+            <a:r>
+              <a:rPr lang="de-DE" dirty="0" smtClean="0"/>
+              <a:t>all REST </a:t>
+            </a:r>
+            <a:r>
+              <a:rPr lang="de-DE" dirty="0" err="1" smtClean="0"/>
+              <a:t>backends</a:t>
+            </a:r>
+            <a:endParaRPr lang="de-DE" dirty="0" smtClean="0"/>
+          </a:p>
+          <a:p>
+            <a:pPr lvl="1"/>
+            <a:r>
+              <a:rPr lang="de-DE" dirty="0" err="1" smtClean="0"/>
+              <a:t>Rails</a:t>
+            </a:r>
+            <a:r>
+              <a:rPr lang="de-DE" dirty="0" smtClean="0"/>
+              <a:t> / </a:t>
+            </a:r>
+            <a:r>
+              <a:rPr lang="de-DE" dirty="0" err="1" smtClean="0"/>
+              <a:t>AppEngine</a:t>
+            </a:r>
+            <a:r>
+              <a:rPr lang="de-DE" dirty="0" smtClean="0"/>
+              <a:t> / </a:t>
+            </a:r>
+            <a:r>
+              <a:rPr lang="de-DE" dirty="0" err="1" smtClean="0"/>
+              <a:t>you</a:t>
+            </a:r>
+            <a:r>
+              <a:rPr lang="de-DE" dirty="0" smtClean="0"/>
+              <a:t> </a:t>
+            </a:r>
+            <a:r>
+              <a:rPr lang="de-DE" dirty="0" err="1" smtClean="0"/>
+              <a:t>name</a:t>
+            </a:r>
+            <a:r>
+              <a:rPr lang="de-DE" dirty="0" smtClean="0"/>
+              <a:t> </a:t>
+            </a:r>
+            <a:r>
+              <a:rPr lang="de-DE" dirty="0" err="1" smtClean="0"/>
+              <a:t>it</a:t>
+            </a:r>
+            <a:endParaRPr lang="de-DE" dirty="0" smtClean="0"/>
+          </a:p>
+          <a:p>
+            <a:r>
+              <a:rPr lang="de-DE" dirty="0" smtClean="0"/>
+              <a:t>The </a:t>
+            </a:r>
+            <a:r>
+              <a:rPr lang="de-DE" dirty="0" err="1" smtClean="0"/>
+              <a:t>missing</a:t>
+            </a:r>
+            <a:r>
+              <a:rPr lang="de-DE" dirty="0" smtClean="0"/>
+              <a:t> link </a:t>
+            </a:r>
+            <a:r>
+              <a:rPr lang="de-DE" dirty="0" err="1" smtClean="0"/>
+              <a:t>for</a:t>
+            </a:r>
+            <a:r>
+              <a:rPr lang="de-DE" dirty="0" smtClean="0"/>
+              <a:t> </a:t>
+            </a:r>
+            <a:r>
+              <a:rPr lang="de-DE" dirty="0" err="1" smtClean="0"/>
+              <a:t>nodejs</a:t>
+            </a:r>
+            <a:r>
+              <a:rPr lang="de-DE" dirty="0" smtClean="0"/>
+              <a:t>?</a:t>
+            </a:r>
+          </a:p>
+          <a:p>
+            <a:pPr lvl="1"/>
+            <a:r>
+              <a:rPr lang="de-DE" dirty="0" err="1" smtClean="0"/>
+              <a:t>There‘s</a:t>
+            </a:r>
+            <a:r>
+              <a:rPr lang="de-DE" dirty="0" smtClean="0"/>
+              <a:t> </a:t>
+            </a:r>
+            <a:r>
+              <a:rPr lang="de-DE" dirty="0" err="1" smtClean="0"/>
+              <a:t>no</a:t>
+            </a:r>
+            <a:r>
+              <a:rPr lang="de-DE" dirty="0" smtClean="0"/>
+              <a:t> </a:t>
+            </a:r>
+            <a:r>
+              <a:rPr lang="de-DE" dirty="0" err="1" smtClean="0"/>
+              <a:t>Rails</a:t>
+            </a:r>
+            <a:r>
+              <a:rPr lang="de-DE" dirty="0" smtClean="0"/>
+              <a:t> </a:t>
+            </a:r>
+            <a:r>
+              <a:rPr lang="de-DE" dirty="0" err="1" smtClean="0"/>
+              <a:t>for</a:t>
+            </a:r>
+            <a:r>
+              <a:rPr lang="de-DE" dirty="0" smtClean="0"/>
+              <a:t> </a:t>
+            </a:r>
+            <a:r>
+              <a:rPr lang="de-DE" dirty="0" err="1" smtClean="0"/>
+              <a:t>nodejs</a:t>
+            </a:r>
+            <a:r>
+              <a:rPr lang="de-DE" dirty="0" smtClean="0"/>
+              <a:t> (</a:t>
+            </a:r>
+            <a:r>
+              <a:rPr lang="de-DE" dirty="0" err="1" smtClean="0"/>
+              <a:t>yet</a:t>
+            </a:r>
+            <a:r>
+              <a:rPr lang="de-DE" dirty="0" smtClean="0"/>
+              <a:t>)</a:t>
+            </a:r>
+          </a:p>
+          <a:p>
+            <a:pPr lvl="1"/>
+            <a:r>
+              <a:rPr lang="de-DE" dirty="0" smtClean="0"/>
+              <a:t>Single Page Web Apps + </a:t>
+            </a:r>
+            <a:r>
+              <a:rPr lang="de-DE" dirty="0" err="1" smtClean="0"/>
+              <a:t>nodejs</a:t>
+            </a:r>
+            <a:r>
+              <a:rPr lang="de-DE" dirty="0" smtClean="0"/>
+              <a:t> = </a:t>
+            </a:r>
+            <a:r>
+              <a:rPr lang="de-DE" dirty="0" err="1" smtClean="0"/>
+              <a:t>Awesomeness</a:t>
+            </a:r>
+            <a:endParaRPr lang="de-DE" dirty="0" smtClean="0"/>
+          </a:p>
+        </p:txBody>
+      </p:sp>
+    </p:spTree>
+    <p:extLst>
+      <p:ext uri="{BB962C8B-B14F-4D97-AF65-F5344CB8AC3E}">
+        <p14:creationId xmlns:p14="http://schemas.microsoft.com/office/powerpoint/2010/main" val="4000270355"/>
+      </p:ext>
+    </p:extLst>
+  </p:cSld>
+  <p:clrMapOvr>
+    <a:masterClrMapping/>
+  </p:clrMapOvr>
+  <p:timing>
+    <p:tnLst>
+      <p:par>
+        <p:cTn xmlns:p14="http://schemas.microsoft.com/office/powerpoint/2010/main" id="1" dur="indefinite" restart="never" nodeType="tmRoot"/>
+      </p:par>
+    </p:tnLst>
+  </p:timing>
+</p:sld>
+</file>
+
+<file path=ppt/slides/slide15.xml><?xml version="1.0" encoding="utf-8"?>
+<p:sld xmlns:a="http://schemas.openxmlformats.org/drawingml/2006/main" xmlns:r="http://schemas.openxmlformats.org/officeDocument/2006/relationships" xmlns:p="http://schemas.openxmlformats.org/presentationml/2006/main">
+  <p:cSld>
+    <p:spTree>
+      <p:nvGrpSpPr>
+        <p:cNvPr id="1" name=""/>
+        <p:cNvGrpSpPr/>
+        <p:nvPr/>
+      </p:nvGrpSpPr>
+      <p:grpSpPr>
+        <a:xfrm>
+          <a:off x="0" y="0"/>
+          <a:ext cx="0" cy="0"/>
+          <a:chOff x="0" y="0"/>
+          <a:chExt cx="0" cy="0"/>
+        </a:xfrm>
+      </p:grpSpPr>
+      <p:sp>
+        <p:nvSpPr>
+          <p:cNvPr id="2" name="Titel 1"/>
+          <p:cNvSpPr>
+            <a:spLocks noGrp="1"/>
+          </p:cNvSpPr>
+          <p:nvPr>
+            <p:ph type="title"/>
+          </p:nvPr>
+        </p:nvSpPr>
+        <p:spPr/>
+        <p:txBody>
+          <a:bodyPr/>
+          <a:lstStyle/>
+          <a:p>
+            <a:r>
+              <a:rPr lang="de-DE" dirty="0" smtClean="0"/>
+              <a:t>#!/</a:t>
+            </a:r>
+            <a:r>
+              <a:rPr lang="de-DE" dirty="0" err="1" smtClean="0"/>
+              <a:t>thx</a:t>
+            </a:r>
+            <a:endParaRPr lang="de-DE" dirty="0"/>
+          </a:p>
+        </p:txBody>
+      </p:sp>
+      <p:sp>
+        <p:nvSpPr>
+          <p:cNvPr id="3" name="Inhaltsplatzhalter 2"/>
+          <p:cNvSpPr>
+            <a:spLocks noGrp="1"/>
+          </p:cNvSpPr>
+          <p:nvPr>
+            <p:ph idx="1"/>
+          </p:nvPr>
+        </p:nvSpPr>
+        <p:spPr/>
+        <p:txBody>
+          <a:bodyPr>
+            <a:normAutofit/>
+          </a:bodyPr>
+          <a:lstStyle/>
+          <a:p>
+            <a:pPr marL="0" indent="0" algn="ctr">
+              <a:buNone/>
+            </a:pPr>
+            <a:r>
+              <a:rPr lang="de-DE" sz="5400" dirty="0" err="1" smtClean="0"/>
+              <a:t>Any</a:t>
+            </a:r>
+            <a:r>
+              <a:rPr lang="de-DE" sz="5400" dirty="0" smtClean="0"/>
+              <a:t> </a:t>
+            </a:r>
+            <a:r>
+              <a:rPr lang="de-DE" sz="5400" dirty="0" err="1" smtClean="0"/>
+              <a:t>questions</a:t>
+            </a:r>
+            <a:r>
+              <a:rPr lang="de-DE" sz="5400" dirty="0" smtClean="0"/>
+              <a:t>?</a:t>
+            </a:r>
+          </a:p>
+          <a:p>
+            <a:pPr marL="0" indent="0" algn="ctr">
+              <a:buNone/>
+            </a:pPr>
+            <a:endParaRPr lang="de-DE" sz="5400" dirty="0"/>
+          </a:p>
+          <a:p>
+            <a:pPr marL="0" indent="0" algn="ctr">
+              <a:buNone/>
+            </a:pPr>
+            <a:r>
+              <a:rPr lang="de-DE" sz="2800" dirty="0" err="1" smtClean="0"/>
+              <a:t>Feel</a:t>
+            </a:r>
+            <a:r>
+              <a:rPr lang="de-DE" sz="2800" dirty="0" smtClean="0"/>
+              <a:t> </a:t>
+            </a:r>
+            <a:r>
+              <a:rPr lang="de-DE" sz="2800" dirty="0" err="1" smtClean="0"/>
+              <a:t>free</a:t>
+            </a:r>
+            <a:r>
+              <a:rPr lang="de-DE" sz="2800" dirty="0" smtClean="0"/>
+              <a:t> </a:t>
+            </a:r>
+            <a:r>
+              <a:rPr lang="de-DE" sz="2800" dirty="0" err="1" smtClean="0"/>
+              <a:t>to</a:t>
+            </a:r>
+            <a:r>
+              <a:rPr lang="de-DE" sz="2800" dirty="0" smtClean="0"/>
+              <a:t> </a:t>
+            </a:r>
+            <a:r>
+              <a:rPr lang="de-DE" sz="2800" dirty="0" err="1" smtClean="0"/>
+              <a:t>contact</a:t>
+            </a:r>
+            <a:r>
+              <a:rPr lang="de-DE" sz="2800" dirty="0" smtClean="0"/>
+              <a:t> </a:t>
+            </a:r>
+            <a:r>
+              <a:rPr lang="de-DE" sz="2800" dirty="0" err="1" smtClean="0"/>
+              <a:t>us</a:t>
+            </a:r>
+            <a:r>
+              <a:rPr lang="de-DE" sz="2800" dirty="0" smtClean="0"/>
+              <a:t> via </a:t>
+            </a:r>
+            <a:r>
+              <a:rPr lang="de-DE" sz="2800" dirty="0" err="1" smtClean="0"/>
+              <a:t>Twitter</a:t>
+            </a:r>
+            <a:r>
+              <a:rPr lang="de-DE" sz="2800" dirty="0" smtClean="0"/>
+              <a:t>: </a:t>
+            </a:r>
+          </a:p>
+          <a:p>
+            <a:pPr marL="0" indent="0" algn="ctr">
+              <a:buNone/>
+            </a:pPr>
+            <a:r>
+              <a:rPr lang="de-DE" sz="2800" dirty="0" smtClean="0"/>
+              <a:t>@</a:t>
+            </a:r>
+            <a:r>
+              <a:rPr lang="de-DE" sz="2800" dirty="0" err="1" smtClean="0"/>
+              <a:t>thedeftone</a:t>
+            </a:r>
+            <a:r>
+              <a:rPr lang="de-DE" sz="2800" dirty="0" smtClean="0"/>
+              <a:t> @</a:t>
+            </a:r>
+            <a:r>
+              <a:rPr lang="de-DE" sz="2800" dirty="0" err="1" smtClean="0"/>
+              <a:t>toshiyori</a:t>
+            </a:r>
+            <a:endParaRPr lang="de-DE" sz="2800" dirty="0"/>
+          </a:p>
+        </p:txBody>
+      </p:sp>
+    </p:spTree>
+    <p:extLst>
+      <p:ext uri="{BB962C8B-B14F-4D97-AF65-F5344CB8AC3E}">
+        <p14:creationId xmlns:p14="http://schemas.microsoft.com/office/powerpoint/2010/main" val="1855459936"/>
       </p:ext>
     </p:extLst>
   </p:cSld>
@@ -5455,27 +7510,16 @@
           <a:p>
             <a:pPr lvl="1"/>
             <a:r>
-              <a:rPr lang="de-DE" dirty="0" smtClean="0"/>
-              <a:t>Student / Freelancer </a:t>
-            </a:r>
-            <a:r>
-              <a:rPr lang="de-DE" dirty="0" err="1" smtClean="0"/>
-              <a:t>from</a:t>
-            </a:r>
-            <a:r>
-              <a:rPr lang="de-DE" dirty="0" smtClean="0"/>
-              <a:t> Düsseldorf </a:t>
-            </a:r>
-          </a:p>
-          <a:p>
-            <a:pPr lvl="1"/>
-            <a:r>
               <a:rPr lang="de-DE" dirty="0" err="1" smtClean="0"/>
               <a:t>Coffeescript</a:t>
             </a:r>
             <a:r>
               <a:rPr lang="de-DE" dirty="0" smtClean="0"/>
-              <a:t> / </a:t>
+              <a:t> </a:t>
+            </a:r>
+            <a:r>
+              <a:rPr lang="de-DE" dirty="0" smtClean="0"/>
+              <a:t>/ </a:t>
             </a:r>
             <a:r>
               <a:rPr lang="de-DE" dirty="0" smtClean="0">
@@ -5509,13 +7553,7 @@
               <a:rPr lang="de-DE" dirty="0" smtClean="0">
                 <a:hlinkClick r:id="rId4"/>
               </a:rPr>
-              <a:t>@</a:t>
-            </a:r>
-            <a:r>
-              <a:rPr lang="de-DE" dirty="0" err="1" smtClean="0">
-                <a:hlinkClick r:id="rId4"/>
-              </a:rPr>
-              <a:t>thedeftone</a:t>
+              <a:t>@thedeftone</a:t>
             </a:r>
             <a:r>
               <a:rPr lang="de-DE" dirty="0" smtClean="0"/>
@@ -5531,7 +7569,61 @@
               <a:rPr lang="de-DE" dirty="0" smtClean="0"/>
               <a:t> </a:t>
             </a:r>
-            <a:endParaRPr lang="de-DE" dirty="0"/>
+          </a:p>
+          <a:p>
+            <a:r>
+              <a:rPr lang="de-DE" dirty="0" err="1" smtClean="0"/>
+              <a:t>Eray</a:t>
+            </a:r>
+            <a:r>
+              <a:rPr lang="de-DE" dirty="0" smtClean="0"/>
+              <a:t> Basar</a:t>
+            </a:r>
+          </a:p>
+          <a:p>
+            <a:pPr marL="692150" lvl="2" indent="-342900">
+              <a:spcBef>
+                <a:spcPts val="2000"/>
+              </a:spcBef>
+            </a:pPr>
+            <a:r>
+              <a:rPr lang="de-DE" dirty="0">
+                <a:hlinkClick r:id="rId6"/>
+              </a:rPr>
+              <a:t>@</a:t>
+            </a:r>
+            <a:r>
+              <a:rPr lang="de-DE" dirty="0" smtClean="0">
+                <a:hlinkClick r:id="rId6"/>
+              </a:rPr>
+              <a:t>toshiyori</a:t>
+            </a:r>
+            <a:endParaRPr lang="de-DE" dirty="0" smtClean="0"/>
+          </a:p>
+          <a:p>
+            <a:r>
+              <a:rPr lang="de-DE" dirty="0" smtClean="0">
+                <a:hlinkClick r:id="rId7"/>
+              </a:rPr>
+              <a:t>@9elements</a:t>
+            </a:r>
+            <a:r>
+              <a:rPr lang="de-DE" dirty="0" smtClean="0"/>
+              <a:t> : @</a:t>
+            </a:r>
+            <a:r>
+              <a:rPr lang="de-DE" dirty="0" err="1" smtClean="0"/>
+              <a:t>imgly</a:t>
+            </a:r>
+            <a:r>
+              <a:rPr lang="de-DE" dirty="0" smtClean="0"/>
+              <a:t>, @</a:t>
+            </a:r>
+            <a:r>
+              <a:rPr lang="de-DE" dirty="0" err="1" smtClean="0"/>
+              <a:t>watchlaterapp</a:t>
+            </a:r>
+            <a:endParaRPr lang="de-DE" dirty="0" smtClean="0"/>
           </a:p>
         </p:txBody>
       </p:sp>
@@ -5615,6 +7707,25 @@
           <a:lstStyle/>
           <a:p>
             <a:r>
+              <a:rPr lang="de-DE" dirty="0" smtClean="0"/>
+              <a:t>The </a:t>
+            </a:r>
+            <a:r>
+              <a:rPr lang="de-DE" dirty="0" err="1" smtClean="0"/>
+              <a:t>big</a:t>
+            </a:r>
+            <a:r>
+              <a:rPr lang="de-DE" dirty="0" smtClean="0"/>
+              <a:t> </a:t>
+            </a:r>
+            <a:r>
+              <a:rPr lang="de-DE" dirty="0" err="1" smtClean="0"/>
+              <a:t>picture</a:t>
+            </a:r>
+            <a:endParaRPr lang="de-DE" dirty="0" smtClean="0"/>
+          </a:p>
+          <a:p>
+            <a:r>
               <a:rPr lang="de-DE" dirty="0" err="1" smtClean="0"/>
               <a:t>What</a:t>
             </a:r>
@@ -5771,12 +7882,111 @@
       </p:grpSpPr>
       <p:sp>
         <p:nvSpPr>
+          <p:cNvPr id="5" name="Rechteck 4"/>
+          <p:cNvSpPr/>
+          <p:nvPr/>
+        </p:nvSpPr>
+        <p:spPr>
+          <a:xfrm>
+            <a:off x="-110439" y="-20648"/>
+            <a:ext cx="9621994" cy="990662"/>
+          </a:xfrm>
+          <a:prstGeom prst="rect">
+            <a:avLst/>
+          </a:prstGeom>
+          <a:solidFill>
+            <a:schemeClr val="bg1"/>
+          </a:solidFill>
+        </p:spPr>
+        <p:style>
+          <a:lnRef idx="1">
+            <a:schemeClr val="accent1"/>
+          </a:lnRef>
+          <a:fillRef idx="3">
+            <a:schemeClr val="accent1"/>
+          </a:fillRef>
+          <a:effectRef idx="2">
+            <a:schemeClr val="accent1"/>
+          </a:effectRef>
+          <a:fontRef idx="minor">
+            <a:schemeClr val="lt1"/>
+          </a:fontRef>
+        </p:style>
+        <p:txBody>
+          <a:bodyPr rtlCol="0" anchor="ctr"/>
+          <a:lstStyle/>
+          <a:p>
+            <a:pPr algn="ctr"/>
+            <a:endParaRPr lang="de-DE"/>
+          </a:p>
+        </p:txBody>
+      </p:sp>
+      <p:sp>
+        <p:nvSpPr>
           <p:cNvPr id="2" name="Titel 1"/>
           <p:cNvSpPr>
             <a:spLocks noGrp="1"/>
           </p:cNvSpPr>
           <p:nvPr>
             <p:ph type="title"/>
+          </p:nvPr>
+        </p:nvSpPr>
+        <p:spPr>
+          <a:xfrm>
+            <a:off x="685800" y="134830"/>
+            <a:ext cx="7770813" cy="610814"/>
+          </a:xfrm>
+        </p:spPr>
+        <p:txBody>
+          <a:bodyPr>
+            <a:noAutofit/>
+          </a:bodyPr>
+          <a:lstStyle/>
+          <a:p>
+            <a:r>
+              <a:rPr lang="de-DE" sz="3200" dirty="0" smtClean="0"/>
+              <a:t>The </a:t>
+            </a:r>
+            <a:r>
+              <a:rPr lang="de-DE" sz="3200" dirty="0" err="1" smtClean="0"/>
+              <a:t>big</a:t>
+            </a:r>
+            <a:r>
+              <a:rPr lang="de-DE" sz="3200" dirty="0" smtClean="0"/>
+              <a:t> </a:t>
+            </a:r>
+            <a:r>
+              <a:rPr lang="de-DE" sz="3200" dirty="0" err="1" smtClean="0"/>
+              <a:t>picture</a:t>
+            </a:r>
+            <a:r>
+              <a:rPr lang="de-DE" sz="3200" dirty="0" smtClean="0"/>
+              <a:t>: </a:t>
+            </a:r>
+            <a:r>
+              <a:rPr lang="de-DE" sz="3200" dirty="0" err="1" smtClean="0"/>
+              <a:t>Apple‘s</a:t>
+            </a:r>
+            <a:r>
+              <a:rPr lang="de-DE" sz="3200" dirty="0" smtClean="0"/>
+              <a:t> </a:t>
+            </a:r>
+            <a:r>
+              <a:rPr lang="de-DE" sz="3200" dirty="0" err="1" smtClean="0"/>
+              <a:t>ecosystem</a:t>
+            </a:r>
+            <a:endParaRPr lang="de-DE" sz="3200" dirty="0"/>
+          </a:p>
+        </p:txBody>
+      </p:sp>
+      <p:sp>
+        <p:nvSpPr>
+          <p:cNvPr id="3" name="Inhaltsplatzhalter 2"/>
+          <p:cNvSpPr>
+            <a:spLocks noGrp="1"/>
+          </p:cNvSpPr>
+          <p:nvPr>
+            <p:ph idx="1"/>
           </p:nvPr>
         </p:nvSpPr>
         <p:spPr/>
@@ -5784,261 +7994,57 @@
           <a:bodyPr/>
           <a:lstStyle/>
           <a:p>
-            <a:r>
-              <a:rPr lang="de-DE" dirty="0" smtClean="0"/>
-              <a:t>#!/</a:t>
-            </a:r>
-            <a:r>
-              <a:rPr lang="de-DE" dirty="0" err="1" smtClean="0"/>
-              <a:t>what</a:t>
-            </a:r>
-            <a:endParaRPr lang="de-DE" dirty="0"/>
-          </a:p>
-        </p:txBody>
-      </p:sp>
-      <p:sp>
-        <p:nvSpPr>
-          <p:cNvPr id="3" name="Inhaltsplatzhalter 2"/>
-          <p:cNvSpPr>
-            <a:spLocks noGrp="1"/>
-          </p:cNvSpPr>
-          <p:nvPr>
-            <p:ph idx="1"/>
-          </p:nvPr>
-        </p:nvSpPr>
-        <p:spPr/>
-        <p:txBody>
-          <a:bodyPr/>
-          <a:lstStyle/>
-          <a:p>
-            <a:r>
-              <a:rPr lang="de-DE" dirty="0" smtClean="0">
-                <a:hlinkClick r:id="rId2"/>
-              </a:rPr>
-              <a:t>http://gawker.com</a:t>
-            </a:r>
-            <a:r>
-              <a:rPr lang="de-DE" dirty="0" smtClean="0"/>
-              <a:t> / </a:t>
-            </a:r>
-            <a:r>
-              <a:rPr lang="de-DE" dirty="0" smtClean="0">
-                <a:hlinkClick r:id="rId3"/>
-              </a:rPr>
-              <a:t>http://twitter.com/thedeftone</a:t>
-            </a:r>
-            <a:r>
-              <a:rPr lang="de-DE" dirty="0" smtClean="0"/>
-              <a:t> / </a:t>
-            </a:r>
-            <a:r>
-              <a:rPr lang="de-DE" dirty="0" smtClean="0">
-                <a:hlinkClick r:id="rId4"/>
-              </a:rPr>
-              <a:t>http://facebook.com</a:t>
-            </a:r>
-            <a:r>
-              <a:rPr lang="de-DE" dirty="0" smtClean="0"/>
-              <a:t> </a:t>
-            </a:r>
-          </a:p>
-          <a:p>
-            <a:r>
-              <a:rPr lang="de-DE" dirty="0" err="1" smtClean="0"/>
-              <a:t>Your</a:t>
-            </a:r>
-            <a:r>
-              <a:rPr lang="de-DE" dirty="0" smtClean="0"/>
-              <a:t> </a:t>
-            </a:r>
-            <a:r>
-              <a:rPr lang="de-DE" dirty="0" err="1" smtClean="0"/>
-              <a:t>whole</a:t>
-            </a:r>
-            <a:r>
-              <a:rPr lang="de-DE" dirty="0" smtClean="0"/>
-              <a:t> </a:t>
-            </a:r>
-            <a:r>
-              <a:rPr lang="de-DE" dirty="0" err="1" smtClean="0"/>
-              <a:t>app</a:t>
-            </a:r>
-            <a:r>
-              <a:rPr lang="de-DE" dirty="0" smtClean="0"/>
-              <a:t> </a:t>
-            </a:r>
-            <a:r>
-              <a:rPr lang="de-DE" dirty="0" err="1" smtClean="0"/>
-              <a:t>exists</a:t>
-            </a:r>
-            <a:r>
-              <a:rPr lang="de-DE" dirty="0" smtClean="0"/>
-              <a:t> on a </a:t>
-            </a:r>
-            <a:r>
-              <a:rPr lang="de-DE" dirty="0" err="1" smtClean="0"/>
-              <a:t>single</a:t>
-            </a:r>
-            <a:r>
-              <a:rPr lang="de-DE" dirty="0" smtClean="0"/>
-              <a:t> </a:t>
-            </a:r>
-            <a:r>
-              <a:rPr lang="de-DE" dirty="0" err="1" smtClean="0"/>
-              <a:t>page</a:t>
-            </a:r>
-            <a:endParaRPr lang="de-DE" dirty="0" smtClean="0"/>
-          </a:p>
-          <a:p>
-            <a:pPr lvl="1"/>
-            <a:r>
-              <a:rPr lang="de-DE" dirty="0" err="1" smtClean="0"/>
-              <a:t>No</a:t>
-            </a:r>
-            <a:r>
-              <a:rPr lang="de-DE" dirty="0" smtClean="0"/>
-              <a:t> </a:t>
-            </a:r>
-            <a:r>
-              <a:rPr lang="de-DE" dirty="0" err="1" smtClean="0"/>
-              <a:t>complete</a:t>
-            </a:r>
-            <a:r>
-              <a:rPr lang="de-DE" dirty="0" smtClean="0"/>
-              <a:t> </a:t>
-            </a:r>
-            <a:r>
-              <a:rPr lang="de-DE" dirty="0" err="1" smtClean="0"/>
-              <a:t>reload</a:t>
-            </a:r>
-            <a:r>
-              <a:rPr lang="de-DE" dirty="0" smtClean="0"/>
-              <a:t> </a:t>
-            </a:r>
-            <a:r>
-              <a:rPr lang="de-DE" dirty="0" err="1" smtClean="0"/>
-              <a:t>of</a:t>
-            </a:r>
-            <a:r>
-              <a:rPr lang="de-DE" dirty="0" smtClean="0"/>
-              <a:t> </a:t>
-            </a:r>
-            <a:r>
-              <a:rPr lang="de-DE" dirty="0" err="1" smtClean="0"/>
-              <a:t>the</a:t>
-            </a:r>
-            <a:r>
-              <a:rPr lang="de-DE" dirty="0" smtClean="0"/>
-              <a:t> DOM</a:t>
-            </a:r>
-          </a:p>
-          <a:p>
-            <a:pPr lvl="1"/>
-            <a:r>
-              <a:rPr lang="de-DE" dirty="0" err="1" smtClean="0"/>
-              <a:t>Only</a:t>
-            </a:r>
-            <a:r>
-              <a:rPr lang="de-DE" dirty="0" smtClean="0"/>
-              <a:t> </a:t>
-            </a:r>
-            <a:r>
-              <a:rPr lang="de-DE" dirty="0" err="1" smtClean="0"/>
-              <a:t>parts</a:t>
-            </a:r>
-            <a:r>
-              <a:rPr lang="de-DE" dirty="0" smtClean="0"/>
-              <a:t> </a:t>
-            </a:r>
-            <a:r>
-              <a:rPr lang="de-DE" dirty="0" err="1" smtClean="0"/>
-              <a:t>of</a:t>
-            </a:r>
-            <a:r>
-              <a:rPr lang="de-DE" dirty="0" smtClean="0"/>
-              <a:t> </a:t>
-            </a:r>
-            <a:r>
-              <a:rPr lang="de-DE" dirty="0" err="1" smtClean="0"/>
-              <a:t>your</a:t>
-            </a:r>
-            <a:r>
-              <a:rPr lang="de-DE" dirty="0" smtClean="0"/>
-              <a:t> </a:t>
-            </a:r>
-            <a:r>
-              <a:rPr lang="de-DE" dirty="0" err="1" smtClean="0"/>
-              <a:t>page</a:t>
-            </a:r>
-            <a:r>
-              <a:rPr lang="de-DE" dirty="0" smtClean="0"/>
-              <a:t> </a:t>
-            </a:r>
-            <a:r>
-              <a:rPr lang="de-DE" dirty="0" err="1" smtClean="0"/>
-              <a:t>change</a:t>
-            </a:r>
-            <a:endParaRPr lang="de-DE" dirty="0" smtClean="0"/>
-          </a:p>
-          <a:p>
-            <a:r>
-              <a:rPr lang="de-DE" dirty="0" smtClean="0"/>
-              <a:t>In-App URLs: </a:t>
-            </a:r>
-            <a:r>
-              <a:rPr lang="de-DE" dirty="0" err="1" smtClean="0"/>
-              <a:t>mydomain.tld</a:t>
-            </a:r>
-            <a:r>
-              <a:rPr lang="de-DE" dirty="0" smtClean="0"/>
-              <a:t>/#!/</a:t>
-            </a:r>
-            <a:r>
-              <a:rPr lang="de-DE" dirty="0" err="1" smtClean="0"/>
-              <a:t>test</a:t>
-            </a:r>
-            <a:endParaRPr lang="de-DE" dirty="0" smtClean="0"/>
-          </a:p>
-          <a:p>
-            <a:pPr lvl="1"/>
-            <a:r>
-              <a:rPr lang="de-DE" dirty="0" err="1" smtClean="0"/>
-              <a:t>bookmarkable</a:t>
-            </a:r>
-            <a:endParaRPr lang="de-DE" dirty="0" smtClean="0"/>
-          </a:p>
-          <a:p>
-            <a:pPr lvl="1"/>
-            <a:r>
-              <a:rPr lang="de-DE" dirty="0" smtClean="0"/>
-              <a:t>client-</a:t>
-            </a:r>
-            <a:r>
-              <a:rPr lang="de-DE" dirty="0" err="1" smtClean="0"/>
-              <a:t>side</a:t>
-            </a:r>
-            <a:r>
-              <a:rPr lang="de-DE" dirty="0" smtClean="0"/>
-              <a:t> </a:t>
-            </a:r>
-            <a:r>
-              <a:rPr lang="de-DE" dirty="0" err="1" smtClean="0"/>
-              <a:t>routing</a:t>
-            </a:r>
-            <a:endParaRPr lang="de-DE" dirty="0" smtClean="0"/>
-          </a:p>
-        </p:txBody>
-      </p:sp>
+            <a:endParaRPr lang="de-DE"/>
+          </a:p>
+        </p:txBody>
+      </p:sp>
+      <p:pic>
+        <p:nvPicPr>
+          <p:cNvPr id="4" name="Bild 3" descr="Screen shot 2011-03-26 at 1.12.24 PM.png"/>
+          <p:cNvPicPr>
+            <a:picLocks noChangeAspect="1"/>
+          </p:cNvPicPr>
+          <p:nvPr/>
+        </p:nvPicPr>
+        <p:blipFill>
+          <a:blip r:embed="rId2">
+            <a:extLst>
+              <a:ext uri="{28A0092B-C50C-407E-A947-70E740481C1C}">
+                <a14:useLocalDpi xmlns:a14="http://schemas.microsoft.com/office/drawing/2010/main" val="0"/>
+              </a:ext>
+            </a:extLst>
+          </a:blip>
+          <a:stretch>
+            <a:fillRect/>
+          </a:stretch>
+        </p:blipFill>
+        <p:spPr>
+          <a:xfrm>
+            <a:off x="0" y="966538"/>
+            <a:ext cx="9189245" cy="6126164"/>
+          </a:xfrm>
+          <a:prstGeom prst="rect">
+            <a:avLst/>
+          </a:prstGeom>
+        </p:spPr>
+      </p:pic>
     </p:spTree>
     <p:extLst>
       <p:ext uri="{BB962C8B-B14F-4D97-AF65-F5344CB8AC3E}">
-        <p14:creationId xmlns:p14="http://schemas.microsoft.com/office/powerpoint/2010/main" val="3787634319"/>
+        <p14:creationId xmlns:p14="http://schemas.microsoft.com/office/powerpoint/2010/main" val="397316774"/>
       </p:ext>
     </p:extLst>
   </p:cSld>
   <p:clrMapOvr>
     <a:masterClrMapping/>
   </p:clrMapOvr>
+  <p:timing>
+    <p:tnLst>
+      <p:par>
+        <p:cTn xmlns:p14="http://schemas.microsoft.com/office/powerpoint/2010/main" id="1" dur="indefinite" restart="never" nodeType="tmRoot"/>
+      </p:par>
+    </p:tnLst>
+  </p:timing>
 </p:sld>
 </file>
 
@@ -6059,402 +8065,664 @@
           <a:chExt cx="0" cy="0"/>
         </a:xfrm>
       </p:grpSpPr>
-      <p:sp>
-        <p:nvSpPr>
-          <p:cNvPr id="2" name="Titel 1"/>
-          <p:cNvSpPr>
-            <a:spLocks noGrp="1"/>
-          </p:cNvSpPr>
-          <p:nvPr>
-            <p:ph type="title"/>
-          </p:nvPr>
-        </p:nvSpPr>
-        <p:spPr/>
-        <p:txBody>
-          <a:bodyPr/>
+      <p:pic>
+        <p:nvPicPr>
+          <p:cNvPr id="6" name="Bild 5"/>
+          <p:cNvPicPr>
+            <a:picLocks noChangeAspect="1"/>
+          </p:cNvPicPr>
+          <p:nvPr/>
+        </p:nvPicPr>
+        <p:blipFill>
+          <a:blip r:embed="rId2"/>
+          <a:stretch>
+            <a:fillRect/>
+          </a:stretch>
+        </p:blipFill>
+        <p:spPr>
+          <a:xfrm>
+            <a:off x="0" y="0"/>
+            <a:ext cx="9682605" cy="12090765"/>
+          </a:xfrm>
+          <a:prstGeom prst="rect">
+            <a:avLst/>
+          </a:prstGeom>
+        </p:spPr>
+      </p:pic>
+      <p:sp>
+        <p:nvSpPr>
+          <p:cNvPr id="7" name="Textfeld 6"/>
+          <p:cNvSpPr txBox="1"/>
+          <p:nvPr/>
+        </p:nvSpPr>
+        <p:spPr>
+          <a:xfrm>
+            <a:off x="151855" y="104812"/>
+            <a:ext cx="4569412" cy="646331"/>
+          </a:xfrm>
+          <a:prstGeom prst="rect">
+            <a:avLst/>
+          </a:prstGeom>
+          <a:noFill/>
+        </p:spPr>
+        <p:txBody>
+          <a:bodyPr wrap="square" rtlCol="0">
+            <a:spAutoFit/>
+          </a:bodyPr>
           <a:lstStyle/>
           <a:p>
             <a:r>
-              <a:rPr lang="de-DE" dirty="0" smtClean="0"/>
-              <a:t>#!/</a:t>
-            </a:r>
-            <a:r>
-              <a:rPr lang="de-DE" dirty="0" err="1" smtClean="0"/>
-              <a:t>why</a:t>
-            </a:r>
-            <a:endParaRPr lang="de-DE" dirty="0"/>
-          </a:p>
-        </p:txBody>
-      </p:sp>
-      <p:sp>
-        <p:nvSpPr>
-          <p:cNvPr id="3" name="Inhaltsplatzhalter 2"/>
-          <p:cNvSpPr>
-            <a:spLocks noGrp="1"/>
-          </p:cNvSpPr>
-          <p:nvPr>
-            <p:ph idx="1"/>
-          </p:nvPr>
-        </p:nvSpPr>
-        <p:spPr/>
-        <p:txBody>
-          <a:bodyPr/>
+              <a:rPr lang="de-DE" sz="3600" dirty="0" err="1" smtClean="0">
+                <a:effectLst>
+                  <a:outerShdw blurRad="50800" dist="38100" dir="2700000" algn="tl" rotWithShape="0">
+                    <a:prstClr val="black">
+                      <a:alpha val="40000"/>
+                    </a:prstClr>
+                  </a:outerShdw>
+                </a:effectLst>
+              </a:rPr>
+              <a:t>Is</a:t>
+            </a:r>
+            <a:r>
+              <a:rPr lang="de-DE" sz="3600" dirty="0" smtClean="0">
+                <a:effectLst>
+                  <a:outerShdw blurRad="50800" dist="38100" dir="2700000" algn="tl" rotWithShape="0">
+                    <a:prstClr val="black">
+                      <a:alpha val="40000"/>
+                    </a:prstClr>
+                  </a:outerShdw>
+                </a:effectLst>
+              </a:rPr>
+              <a:t> </a:t>
+            </a:r>
+            <a:r>
+              <a:rPr lang="de-DE" sz="3600" dirty="0" err="1" smtClean="0">
+                <a:effectLst>
+                  <a:outerShdw blurRad="50800" dist="38100" dir="2700000" algn="tl" rotWithShape="0">
+                    <a:prstClr val="black">
+                      <a:alpha val="40000"/>
+                    </a:prstClr>
+                  </a:outerShdw>
+                </a:effectLst>
+              </a:rPr>
+              <a:t>the</a:t>
+            </a:r>
+            <a:r>
+              <a:rPr lang="de-DE" sz="3600" dirty="0" smtClean="0">
+                <a:effectLst>
+                  <a:outerShdw blurRad="50800" dist="38100" dir="2700000" algn="tl" rotWithShape="0">
+                    <a:prstClr val="black">
+                      <a:alpha val="40000"/>
+                    </a:prstClr>
+                  </a:outerShdw>
+                </a:effectLst>
+              </a:rPr>
+              <a:t> web </a:t>
+            </a:r>
+            <a:r>
+              <a:rPr lang="de-DE" sz="3600" dirty="0" err="1" smtClean="0">
+                <a:effectLst>
+                  <a:outerShdw blurRad="50800" dist="38100" dir="2700000" algn="tl" rotWithShape="0">
+                    <a:prstClr val="black">
+                      <a:alpha val="40000"/>
+                    </a:prstClr>
+                  </a:outerShdw>
+                </a:effectLst>
+              </a:rPr>
+              <a:t>the</a:t>
+            </a:r>
+            <a:r>
+              <a:rPr lang="de-DE" sz="3600" dirty="0" smtClean="0">
+                <a:effectLst>
+                  <a:outerShdw blurRad="50800" dist="38100" dir="2700000" algn="tl" rotWithShape="0">
+                    <a:prstClr val="black">
+                      <a:alpha val="40000"/>
+                    </a:prstClr>
+                  </a:outerShdw>
+                </a:effectLst>
+              </a:rPr>
+              <a:t> </a:t>
+            </a:r>
+            <a:r>
+              <a:rPr lang="de-DE" sz="3600" dirty="0" err="1" smtClean="0">
+                <a:effectLst>
+                  <a:outerShdw blurRad="50800" dist="38100" dir="2700000" algn="tl" rotWithShape="0">
+                    <a:prstClr val="black">
+                      <a:alpha val="40000"/>
+                    </a:prstClr>
+                  </a:outerShdw>
+                </a:effectLst>
+              </a:rPr>
+              <a:t>saviour</a:t>
+            </a:r>
+            <a:r>
+              <a:rPr lang="de-DE" sz="3600" dirty="0" smtClean="0">
+                <a:effectLst>
+                  <a:outerShdw blurRad="50800" dist="38100" dir="2700000" algn="tl" rotWithShape="0">
+                    <a:prstClr val="black">
+                      <a:alpha val="40000"/>
+                    </a:prstClr>
+                  </a:outerShdw>
+                </a:effectLst>
+              </a:rPr>
+              <a:t>?</a:t>
+            </a:r>
+            <a:endParaRPr lang="de-DE" sz="3600" dirty="0">
+              <a:effectLst>
+                <a:outerShdw blurRad="50800" dist="38100" dir="2700000" algn="tl" rotWithShape="0">
+                  <a:prstClr val="black">
+                    <a:alpha val="40000"/>
+                  </a:prstClr>
+                </a:outerShdw>
+              </a:effectLst>
+            </a:endParaRPr>
+          </a:p>
+        </p:txBody>
+      </p:sp>
+      <p:sp>
+        <p:nvSpPr>
+          <p:cNvPr id="8" name="Textfeld 7"/>
+          <p:cNvSpPr txBox="1"/>
+          <p:nvPr/>
+        </p:nvSpPr>
+        <p:spPr>
+          <a:xfrm>
+            <a:off x="4190052" y="713594"/>
+            <a:ext cx="2194974" cy="461665"/>
+          </a:xfrm>
+          <a:prstGeom prst="rect">
+            <a:avLst/>
+          </a:prstGeom>
+          <a:noFill/>
+        </p:spPr>
+        <p:txBody>
+          <a:bodyPr wrap="square" rtlCol="0">
+            <a:spAutoFit/>
+          </a:bodyPr>
           <a:lstStyle/>
           <a:p>
             <a:r>
-              <a:rPr lang="de-DE" dirty="0" smtClean="0"/>
-              <a:t>Server </a:t>
-            </a:r>
-            <a:r>
-              <a:rPr lang="de-DE" dirty="0" err="1" smtClean="0"/>
-              <a:t>doesn‘t</a:t>
-            </a:r>
-            <a:r>
-              <a:rPr lang="de-DE" dirty="0" smtClean="0"/>
-              <a:t> </a:t>
-            </a:r>
-            <a:r>
-              <a:rPr lang="de-DE" dirty="0" err="1" smtClean="0"/>
-              <a:t>need</a:t>
-            </a:r>
-            <a:r>
-              <a:rPr lang="de-DE" dirty="0" smtClean="0"/>
-              <a:t> </a:t>
-            </a:r>
-            <a:r>
-              <a:rPr lang="de-DE" dirty="0" err="1" smtClean="0"/>
-              <a:t>to</a:t>
-            </a:r>
-            <a:r>
-              <a:rPr lang="de-DE" dirty="0" smtClean="0"/>
-              <a:t> </a:t>
-            </a:r>
-            <a:r>
-              <a:rPr lang="de-DE" dirty="0" err="1" smtClean="0"/>
-              <a:t>render</a:t>
-            </a:r>
-            <a:r>
-              <a:rPr lang="de-DE" dirty="0" smtClean="0"/>
-              <a:t> </a:t>
-            </a:r>
-            <a:r>
-              <a:rPr lang="de-DE" dirty="0" err="1" smtClean="0"/>
-              <a:t>complete</a:t>
-            </a:r>
-            <a:r>
-              <a:rPr lang="de-DE" dirty="0" smtClean="0"/>
-              <a:t> </a:t>
-            </a:r>
-            <a:r>
-              <a:rPr lang="de-DE" dirty="0" err="1" smtClean="0"/>
-              <a:t>layouts</a:t>
-            </a:r>
-            <a:endParaRPr lang="de-DE" dirty="0" smtClean="0"/>
-          </a:p>
-          <a:p>
-            <a:pPr lvl="1"/>
-            <a:r>
-              <a:rPr lang="de-DE" dirty="0" err="1" smtClean="0"/>
-              <a:t>Less</a:t>
-            </a:r>
-            <a:r>
-              <a:rPr lang="de-DE" dirty="0" smtClean="0"/>
-              <a:t> CPU time </a:t>
-            </a:r>
-            <a:r>
-              <a:rPr lang="de-DE" dirty="0" err="1" smtClean="0"/>
-              <a:t>needed</a:t>
-            </a:r>
-            <a:r>
-              <a:rPr lang="de-DE" dirty="0" smtClean="0"/>
-              <a:t> </a:t>
-            </a:r>
-            <a:r>
-              <a:rPr lang="de-DE" dirty="0" err="1" smtClean="0"/>
-              <a:t>for</a:t>
-            </a:r>
-            <a:r>
-              <a:rPr lang="de-DE" dirty="0" smtClean="0"/>
-              <a:t> </a:t>
-            </a:r>
-            <a:r>
-              <a:rPr lang="de-DE" dirty="0" err="1" smtClean="0"/>
-              <a:t>each</a:t>
-            </a:r>
-            <a:r>
-              <a:rPr lang="de-DE" dirty="0" smtClean="0"/>
-              <a:t> </a:t>
-            </a:r>
-            <a:r>
-              <a:rPr lang="de-DE" dirty="0" err="1" smtClean="0"/>
-              <a:t>request</a:t>
-            </a:r>
-            <a:endParaRPr lang="de-DE" dirty="0" smtClean="0"/>
-          </a:p>
-          <a:p>
-            <a:pPr lvl="1"/>
-            <a:r>
-              <a:rPr lang="de-DE" dirty="0" smtClean="0"/>
-              <a:t>Server </a:t>
-            </a:r>
-            <a:r>
-              <a:rPr lang="de-DE" dirty="0" err="1" smtClean="0"/>
-              <a:t>is</a:t>
-            </a:r>
-            <a:r>
-              <a:rPr lang="de-DE" dirty="0" smtClean="0"/>
-              <a:t> </a:t>
-            </a:r>
-            <a:r>
-              <a:rPr lang="de-DE" dirty="0" err="1" smtClean="0"/>
-              <a:t>able</a:t>
-            </a:r>
-            <a:r>
-              <a:rPr lang="de-DE" dirty="0" smtClean="0"/>
-              <a:t> </a:t>
-            </a:r>
-            <a:r>
-              <a:rPr lang="de-DE" dirty="0" err="1" smtClean="0"/>
-              <a:t>to</a:t>
-            </a:r>
-            <a:r>
-              <a:rPr lang="de-DE" dirty="0" smtClean="0"/>
-              <a:t> handle </a:t>
-            </a:r>
-            <a:r>
-              <a:rPr lang="de-DE" dirty="0" err="1" smtClean="0"/>
-              <a:t>more</a:t>
-            </a:r>
-            <a:r>
-              <a:rPr lang="de-DE" dirty="0" smtClean="0"/>
-              <a:t> </a:t>
-            </a:r>
-            <a:r>
-              <a:rPr lang="de-DE" dirty="0" err="1" smtClean="0"/>
-              <a:t>requests</a:t>
-            </a:r>
-            <a:endParaRPr lang="de-DE" dirty="0" smtClean="0"/>
-          </a:p>
-          <a:p>
-            <a:r>
-              <a:rPr lang="de-DE" dirty="0" err="1" smtClean="0"/>
-              <a:t>No</a:t>
-            </a:r>
-            <a:r>
-              <a:rPr lang="de-DE" dirty="0" smtClean="0"/>
-              <a:t> </a:t>
-            </a:r>
-            <a:r>
-              <a:rPr lang="de-DE" dirty="0" err="1" smtClean="0"/>
-              <a:t>huge</a:t>
-            </a:r>
-            <a:r>
-              <a:rPr lang="de-DE" dirty="0" smtClean="0"/>
-              <a:t> HTML </a:t>
-            </a:r>
-            <a:r>
-              <a:rPr lang="de-DE" dirty="0" err="1" smtClean="0"/>
-              <a:t>files</a:t>
-            </a:r>
-            <a:r>
-              <a:rPr lang="de-DE" dirty="0" smtClean="0"/>
-              <a:t> </a:t>
-            </a:r>
-            <a:r>
-              <a:rPr lang="de-DE" dirty="0" err="1" smtClean="0"/>
-              <a:t>are</a:t>
-            </a:r>
-            <a:r>
-              <a:rPr lang="de-DE" dirty="0" smtClean="0"/>
-              <a:t> </a:t>
-            </a:r>
-            <a:r>
-              <a:rPr lang="de-DE" dirty="0" err="1" smtClean="0"/>
-              <a:t>transported</a:t>
-            </a:r>
-            <a:endParaRPr lang="de-DE" dirty="0" smtClean="0"/>
-          </a:p>
-          <a:p>
-            <a:pPr lvl="1"/>
-            <a:r>
-              <a:rPr lang="de-DE" dirty="0" err="1" smtClean="0"/>
-              <a:t>Less</a:t>
-            </a:r>
-            <a:r>
-              <a:rPr lang="de-DE" dirty="0" smtClean="0"/>
-              <a:t> </a:t>
-            </a:r>
-            <a:r>
-              <a:rPr lang="de-DE" dirty="0" err="1" smtClean="0"/>
-              <a:t>data</a:t>
-            </a:r>
-            <a:r>
-              <a:rPr lang="de-DE" dirty="0" smtClean="0"/>
-              <a:t> </a:t>
-            </a:r>
-            <a:r>
-              <a:rPr lang="de-DE" dirty="0" smtClean="0">
-                <a:sym typeface="Wingdings"/>
+              <a:rPr lang="de-DE" sz="2400" b="1" dirty="0" smtClean="0">
+                <a:solidFill>
+                  <a:srgbClr val="FF6600"/>
+                </a:solidFill>
+                <a:effectLst>
+                  <a:outerShdw blurRad="50800" dist="38100" dir="2700000" algn="tl" rotWithShape="0">
+                    <a:prstClr val="black">
+                      <a:alpha val="40000"/>
+                    </a:prstClr>
+                  </a:outerShdw>
+                </a:effectLst>
+                <a:latin typeface="Wingdings 3" charset="2"/>
+                <a:cs typeface="Wingdings 3" charset="2"/>
               </a:rPr>
-              <a:t> </a:t>
-            </a:r>
-            <a:r>
-              <a:rPr lang="de-DE" dirty="0" err="1" smtClean="0">
-                <a:sym typeface="Wingdings"/>
+              <a:t>f</a:t>
+            </a:r>
+            <a:r>
+              <a:rPr lang="de-DE" sz="2400" b="1" dirty="0" smtClean="0">
+                <a:solidFill>
+                  <a:srgbClr val="FF6600"/>
+                </a:solidFill>
+                <a:effectLst>
+                  <a:outerShdw blurRad="50800" dist="38100" dir="2700000" algn="tl" rotWithShape="0">
+                    <a:prstClr val="black">
+                      <a:alpha val="40000"/>
+                    </a:prstClr>
+                  </a:outerShdw>
+                </a:effectLst>
               </a:rPr>
-              <a:t>less</a:t>
-            </a:r>
-            <a:r>
-              <a:rPr lang="de-DE" dirty="0" smtClean="0">
-                <a:sym typeface="Wingdings"/>
+              <a:t>  JavaScript</a:t>
+            </a:r>
+            <a:endParaRPr lang="de-DE" sz="2400" b="1" dirty="0">
+              <a:solidFill>
+                <a:srgbClr val="FF6600"/>
+              </a:solidFill>
+              <a:effectLst>
+                <a:outerShdw blurRad="50800" dist="38100" dir="2700000" algn="tl" rotWithShape="0">
+                  <a:prstClr val="black">
+                    <a:alpha val="40000"/>
+                  </a:prstClr>
+                </a:outerShdw>
+              </a:effectLst>
+            </a:endParaRPr>
+          </a:p>
+        </p:txBody>
+      </p:sp>
+      <p:sp>
+        <p:nvSpPr>
+          <p:cNvPr id="10" name="Textfeld 9"/>
+          <p:cNvSpPr txBox="1"/>
+          <p:nvPr/>
+        </p:nvSpPr>
+        <p:spPr>
+          <a:xfrm>
+            <a:off x="1705722" y="1473001"/>
+            <a:ext cx="2484330" cy="461665"/>
+          </a:xfrm>
+          <a:prstGeom prst="rect">
+            <a:avLst/>
+          </a:prstGeom>
+          <a:noFill/>
+        </p:spPr>
+        <p:txBody>
+          <a:bodyPr wrap="square" rtlCol="0">
+            <a:spAutoFit/>
+          </a:bodyPr>
+          <a:lstStyle/>
+          <a:p>
+            <a:r>
+              <a:rPr lang="de-DE" sz="2400" b="1" dirty="0" smtClean="0">
+                <a:solidFill>
+                  <a:srgbClr val="FF6600"/>
+                </a:solidFill>
+                <a:effectLst>
+                  <a:outerShdw blurRad="50800" dist="38100" dir="2700000" algn="tl" rotWithShape="0">
+                    <a:prstClr val="black">
+                      <a:alpha val="40000"/>
+                    </a:prstClr>
+                  </a:outerShdw>
+                </a:effectLst>
               </a:rPr>
-              <a:t> time </a:t>
-            </a:r>
-            <a:r>
-              <a:rPr lang="de-DE" dirty="0" err="1" smtClean="0">
-                <a:sym typeface="Wingdings"/>
+              <a:t>HTML5    </a:t>
+            </a:r>
+            <a:r>
+              <a:rPr lang="de-DE" sz="2400" b="1" dirty="0" smtClean="0">
+                <a:solidFill>
+                  <a:srgbClr val="FF6600"/>
+                </a:solidFill>
+                <a:effectLst>
+                  <a:outerShdw blurRad="50800" dist="38100" dir="2700000" algn="tl" rotWithShape="0">
+                    <a:prstClr val="black">
+                      <a:alpha val="40000"/>
+                    </a:prstClr>
+                  </a:outerShdw>
+                </a:effectLst>
+                <a:latin typeface="Wingdings 3" charset="2"/>
+                <a:cs typeface="Wingdings 3" charset="2"/>
               </a:rPr>
-              <a:t>for</a:t>
-            </a:r>
-            <a:r>
-              <a:rPr lang="de-DE" dirty="0" smtClean="0">
-                <a:sym typeface="Wingdings"/>
+              <a:t>4</a:t>
+            </a:r>
+            <a:endParaRPr lang="de-DE" sz="2400" b="1" dirty="0">
+              <a:solidFill>
+                <a:srgbClr val="FF6600"/>
+              </a:solidFill>
+              <a:effectLst>
+                <a:outerShdw blurRad="50800" dist="38100" dir="2700000" algn="tl" rotWithShape="0">
+                  <a:prstClr val="black">
+                    <a:alpha val="40000"/>
+                  </a:prstClr>
+                </a:outerShdw>
+              </a:effectLst>
+              <a:latin typeface="Wingdings 3" charset="2"/>
+              <a:cs typeface="Wingdings 3" charset="2"/>
+            </a:endParaRPr>
+          </a:p>
+        </p:txBody>
+      </p:sp>
+      <p:sp>
+        <p:nvSpPr>
+          <p:cNvPr id="11" name="Textfeld 10"/>
+          <p:cNvSpPr txBox="1"/>
+          <p:nvPr/>
+        </p:nvSpPr>
+        <p:spPr>
+          <a:xfrm>
+            <a:off x="2458086" y="944427"/>
+            <a:ext cx="1952842" cy="461665"/>
+          </a:xfrm>
+          <a:prstGeom prst="rect">
+            <a:avLst/>
+          </a:prstGeom>
+          <a:noFill/>
+        </p:spPr>
+        <p:txBody>
+          <a:bodyPr wrap="square" rtlCol="0">
+            <a:spAutoFit/>
+          </a:bodyPr>
+          <a:lstStyle/>
+          <a:p>
+            <a:r>
+              <a:rPr lang="de-DE" sz="2400" b="1" dirty="0" smtClean="0">
+                <a:solidFill>
+                  <a:srgbClr val="FF6600"/>
+                </a:solidFill>
+                <a:effectLst>
+                  <a:outerShdw blurRad="50800" dist="38100" dir="2700000" algn="tl" rotWithShape="0">
+                    <a:prstClr val="black">
+                      <a:alpha val="40000"/>
+                    </a:prstClr>
+                  </a:outerShdw>
+                </a:effectLst>
               </a:rPr>
-              <a:t> </a:t>
-            </a:r>
-            <a:r>
-              <a:rPr lang="de-DE" dirty="0" err="1" smtClean="0">
-                <a:sym typeface="Wingdings"/>
+              <a:t>CSS3    </a:t>
+            </a:r>
+            <a:r>
+              <a:rPr lang="de-DE" sz="2400" b="1" dirty="0" smtClean="0">
+                <a:solidFill>
+                  <a:srgbClr val="FF6600"/>
+                </a:solidFill>
+                <a:effectLst>
+                  <a:outerShdw blurRad="50800" dist="38100" dir="2700000" algn="tl" rotWithShape="0">
+                    <a:prstClr val="black">
+                      <a:alpha val="40000"/>
+                    </a:prstClr>
+                  </a:outerShdw>
+                </a:effectLst>
+                <a:latin typeface="Wingdings 3" charset="2"/>
+                <a:cs typeface="Wingdings 3" charset="2"/>
               </a:rPr>
-              <a:t>transport</a:t>
-            </a:r>
-            <a:r>
-              <a:rPr lang="de-DE" dirty="0" smtClean="0">
-                <a:sym typeface="Wingdings"/>
+              <a:t>4</a:t>
+            </a:r>
+            <a:endParaRPr lang="de-DE" sz="2400" b="1" dirty="0">
+              <a:solidFill>
+                <a:srgbClr val="FF6600"/>
+              </a:solidFill>
+              <a:effectLst>
+                <a:outerShdw blurRad="50800" dist="38100" dir="2700000" algn="tl" rotWithShape="0">
+                  <a:prstClr val="black">
+                    <a:alpha val="40000"/>
+                  </a:prstClr>
+                </a:outerShdw>
+              </a:effectLst>
+            </a:endParaRPr>
+          </a:p>
+        </p:txBody>
+      </p:sp>
+      <p:sp>
+        <p:nvSpPr>
+          <p:cNvPr id="12" name="Textfeld 11"/>
+          <p:cNvSpPr txBox="1"/>
+          <p:nvPr/>
+        </p:nvSpPr>
+        <p:spPr>
+          <a:xfrm>
+            <a:off x="3852652" y="1675873"/>
+            <a:ext cx="1986807" cy="461665"/>
+          </a:xfrm>
+          <a:prstGeom prst="rect">
+            <a:avLst/>
+          </a:prstGeom>
+          <a:noFill/>
+        </p:spPr>
+        <p:txBody>
+          <a:bodyPr wrap="square" rtlCol="0">
+            <a:spAutoFit/>
+          </a:bodyPr>
+          <a:lstStyle/>
+          <a:p>
+            <a:r>
+              <a:rPr lang="de-DE" sz="2400" b="1" dirty="0" smtClean="0">
+                <a:solidFill>
+                  <a:srgbClr val="FF6600"/>
+                </a:solidFill>
+                <a:effectLst>
+                  <a:outerShdw blurRad="50800" dist="38100" dir="2700000" algn="tl" rotWithShape="0">
+                    <a:prstClr val="black">
+                      <a:alpha val="40000"/>
+                    </a:prstClr>
+                  </a:outerShdw>
+                </a:effectLst>
+                <a:latin typeface="Wingdings 3" charset="2"/>
+                <a:cs typeface="Wingdings 3" charset="2"/>
               </a:rPr>
-              <a:t>  </a:t>
-            </a:r>
-            <a:r>
-              <a:rPr lang="de-DE" dirty="0" err="1" smtClean="0">
-                <a:sym typeface="Wingdings"/>
+              <a:t>f </a:t>
+            </a:r>
+            <a:r>
+              <a:rPr lang="de-DE" sz="2400" b="1" dirty="0" smtClean="0">
+                <a:solidFill>
+                  <a:srgbClr val="FF6600"/>
+                </a:solidFill>
+                <a:effectLst>
+                  <a:outerShdw blurRad="50800" dist="38100" dir="2700000" algn="tl" rotWithShape="0">
+                    <a:prstClr val="black">
+                      <a:alpha val="40000"/>
+                    </a:prstClr>
+                  </a:outerShdw>
+                </a:effectLst>
               </a:rPr>
-              <a:t>Good</a:t>
-            </a:r>
-            <a:r>
-              <a:rPr lang="de-DE" dirty="0" smtClean="0">
-                <a:sym typeface="Wingdings"/>
-              </a:rPr>
-              <a:t> </a:t>
-            </a:r>
-            <a:r>
-              <a:rPr lang="de-DE" dirty="0" err="1" smtClean="0">
-                <a:sym typeface="Wingdings"/>
-              </a:rPr>
-              <a:t>for</a:t>
-            </a:r>
-            <a:r>
-              <a:rPr lang="de-DE" dirty="0" smtClean="0">
-                <a:sym typeface="Wingdings"/>
-              </a:rPr>
-              <a:t> UX </a:t>
-            </a:r>
-            <a:r>
-              <a:rPr lang="de-DE" dirty="0" err="1" smtClean="0">
-                <a:sym typeface="Wingdings"/>
-              </a:rPr>
-              <a:t>and</a:t>
-            </a:r>
-            <a:r>
-              <a:rPr lang="de-DE" dirty="0" smtClean="0">
-                <a:sym typeface="Wingdings"/>
-              </a:rPr>
-              <a:t> Backend</a:t>
-            </a:r>
-          </a:p>
-          <a:p>
-            <a:pPr lvl="1"/>
-            <a:r>
-              <a:rPr lang="de-DE" dirty="0" err="1" smtClean="0"/>
-              <a:t>Especially</a:t>
-            </a:r>
-            <a:r>
-              <a:rPr lang="de-DE" dirty="0" smtClean="0"/>
-              <a:t> </a:t>
-            </a:r>
-            <a:r>
-              <a:rPr lang="de-DE" dirty="0" err="1" smtClean="0"/>
-              <a:t>good</a:t>
-            </a:r>
-            <a:r>
-              <a:rPr lang="de-DE" dirty="0" smtClean="0"/>
-              <a:t> </a:t>
-            </a:r>
-            <a:r>
-              <a:rPr lang="de-DE" dirty="0" err="1" smtClean="0"/>
-              <a:t>for</a:t>
-            </a:r>
-            <a:r>
-              <a:rPr lang="de-DE" dirty="0" smtClean="0"/>
-              <a:t> </a:t>
-            </a:r>
-            <a:r>
-              <a:rPr lang="de-DE" dirty="0" err="1" smtClean="0"/>
-              <a:t>devices</a:t>
-            </a:r>
-            <a:r>
-              <a:rPr lang="de-DE" dirty="0" smtClean="0"/>
-              <a:t> </a:t>
-            </a:r>
-            <a:r>
-              <a:rPr lang="de-DE" dirty="0" err="1" smtClean="0"/>
-              <a:t>that</a:t>
-            </a:r>
-            <a:r>
-              <a:rPr lang="de-DE" dirty="0" smtClean="0"/>
-              <a:t> </a:t>
-            </a:r>
-            <a:r>
-              <a:rPr lang="de-DE" dirty="0" err="1" smtClean="0"/>
-              <a:t>are</a:t>
-            </a:r>
-            <a:r>
-              <a:rPr lang="de-DE" dirty="0" smtClean="0"/>
-              <a:t> </a:t>
-            </a:r>
-            <a:r>
-              <a:rPr lang="de-DE" dirty="0" err="1" smtClean="0"/>
-              <a:t>connected</a:t>
-            </a:r>
-            <a:r>
-              <a:rPr lang="de-DE" dirty="0" smtClean="0"/>
-              <a:t> </a:t>
-            </a:r>
-            <a:r>
-              <a:rPr lang="de-DE" dirty="0" err="1" smtClean="0"/>
-              <a:t>to</a:t>
-            </a:r>
-            <a:r>
-              <a:rPr lang="de-DE" dirty="0" smtClean="0"/>
-              <a:t> mobile </a:t>
-            </a:r>
-            <a:r>
-              <a:rPr lang="de-DE" dirty="0" err="1" smtClean="0"/>
-              <a:t>networks</a:t>
-            </a:r>
-            <a:endParaRPr lang="de-DE" dirty="0" smtClean="0"/>
+              <a:t>REST</a:t>
+            </a:r>
+            <a:endParaRPr lang="de-DE" sz="2400" b="1" dirty="0">
+              <a:solidFill>
+                <a:srgbClr val="FF6600"/>
+              </a:solidFill>
+              <a:effectLst>
+                <a:outerShdw blurRad="50800" dist="38100" dir="2700000" algn="tl" rotWithShape="0">
+                  <a:prstClr val="black">
+                    <a:alpha val="40000"/>
+                  </a:prstClr>
+                </a:outerShdw>
+              </a:effectLst>
+            </a:endParaRPr>
           </a:p>
         </p:txBody>
       </p:sp>
     </p:spTree>
     <p:extLst>
       <p:ext uri="{BB962C8B-B14F-4D97-AF65-F5344CB8AC3E}">
-        <p14:creationId xmlns:p14="http://schemas.microsoft.com/office/powerpoint/2010/main" val="385050205"/>
+        <p14:creationId xmlns:p14="http://schemas.microsoft.com/office/powerpoint/2010/main" val="2901467366"/>
       </p:ext>
     </p:extLst>
   </p:cSld>
   <p:clrMapOvr>
     <a:masterClrMapping/>
   </p:clrMapOvr>
+  <p:timing>
+    <p:tnLst>
+      <p:par>
+        <p:cTn xmlns:p14="http://schemas.microsoft.com/office/powerpoint/2010/main" id="1" dur="indefinite" restart="never" nodeType="tmRoot">
+          <p:childTnLst>
+            <p:seq concurrent="1" nextAc="seek">
+              <p:cTn id="2" dur="indefinite" nodeType="mainSeq">
+                <p:childTnLst>
+                  <p:par>
+                    <p:cTn id="3" fill="hold">
+                      <p:stCondLst>
+                        <p:cond delay="indefinite"/>
+                      </p:stCondLst>
+                      <p:childTnLst>
+                        <p:par>
+                          <p:cTn id="4" fill="hold">
+                            <p:stCondLst>
+                              <p:cond delay="0"/>
+                            </p:stCondLst>
+                            <p:childTnLst>
+                              <p:par>
+                                <p:cTn id="5" presetID="1" presetClass="entr" presetSubtype="0" fill="hold" grpId="0" nodeType="clickEffect">
+                                  <p:stCondLst>
+                                    <p:cond delay="0"/>
+                                  </p:stCondLst>
+                                  <p:childTnLst>
+                                    <p:set>
+                                      <p:cBhvr>
+                                        <p:cTn id="6" dur="1" fill="hold">
+                                          <p:stCondLst>
+                                            <p:cond delay="0"/>
+                                          </p:stCondLst>
+                                        </p:cTn>
+                                        <p:tgtEl>
+                                          <p:spTgt spid="10"/>
+                                        </p:tgtEl>
+                                        <p:attrNameLst>
+                                          <p:attrName>style.visibility</p:attrName>
+                                        </p:attrNameLst>
+                                      </p:cBhvr>
+                                      <p:to>
+                                        <p:strVal val="visible"/>
+                                      </p:to>
+                                    </p:set>
+                                  </p:childTnLst>
+                                </p:cTn>
+                              </p:par>
+                            </p:childTnLst>
+                          </p:cTn>
+                        </p:par>
+                      </p:childTnLst>
+                    </p:cTn>
+                  </p:par>
+                  <p:par>
+                    <p:cTn id="7" fill="hold">
+                      <p:stCondLst>
+                        <p:cond delay="indefinite"/>
+                      </p:stCondLst>
+                      <p:childTnLst>
+                        <p:par>
+                          <p:cTn id="8" fill="hold">
+                            <p:stCondLst>
+                              <p:cond delay="0"/>
+                            </p:stCondLst>
+                            <p:childTnLst>
+                              <p:par>
+                                <p:cTn id="9" presetID="1" presetClass="entr" presetSubtype="0" fill="hold" grpId="0" nodeType="clickEffect">
+                                  <p:stCondLst>
+                                    <p:cond delay="0"/>
+                                  </p:stCondLst>
+                                  <p:childTnLst>
+                                    <p:set>
+                                      <p:cBhvr>
+                                        <p:cTn id="10" dur="1" fill="hold">
+                                          <p:stCondLst>
+                                            <p:cond delay="0"/>
+                                          </p:stCondLst>
+                                        </p:cTn>
+                                        <p:tgtEl>
+                                          <p:spTgt spid="8"/>
+                                        </p:tgtEl>
+                                        <p:attrNameLst>
+                                          <p:attrName>style.visibility</p:attrName>
+                                        </p:attrNameLst>
+                                      </p:cBhvr>
+                                      <p:to>
+                                        <p:strVal val="visible"/>
+                                      </p:to>
+                                    </p:set>
+                                  </p:childTnLst>
+                                </p:cTn>
+                              </p:par>
+                            </p:childTnLst>
+                          </p:cTn>
+                        </p:par>
+                      </p:childTnLst>
+                    </p:cTn>
+                  </p:par>
+                  <p:par>
+                    <p:cTn id="11" fill="hold">
+                      <p:stCondLst>
+                        <p:cond delay="indefinite"/>
+                      </p:stCondLst>
+                      <p:childTnLst>
+                        <p:par>
+                          <p:cTn id="12" fill="hold">
+                            <p:stCondLst>
+                              <p:cond delay="0"/>
+                            </p:stCondLst>
+                            <p:childTnLst>
+                              <p:par>
+                                <p:cTn id="13" presetID="1" presetClass="entr" presetSubtype="0" fill="hold" grpId="0" nodeType="clickEffect">
+                                  <p:stCondLst>
+                                    <p:cond delay="0"/>
+                                  </p:stCondLst>
+                                  <p:childTnLst>
+                                    <p:set>
+                                      <p:cBhvr>
+                                        <p:cTn id="14" dur="1" fill="hold">
+                                          <p:stCondLst>
+                                            <p:cond delay="0"/>
+                                          </p:stCondLst>
+                                        </p:cTn>
+                                        <p:tgtEl>
+                                          <p:spTgt spid="11"/>
+                                        </p:tgtEl>
+                                        <p:attrNameLst>
+                                          <p:attrName>style.visibility</p:attrName>
+                                        </p:attrNameLst>
+                                      </p:cBhvr>
+                                      <p:to>
+                                        <p:strVal val="visible"/>
+                                      </p:to>
+                                    </p:set>
+                                  </p:childTnLst>
+                                </p:cTn>
+                              </p:par>
+                            </p:childTnLst>
+                          </p:cTn>
+                        </p:par>
+                      </p:childTnLst>
+                    </p:cTn>
+                  </p:par>
+                  <p:par>
+                    <p:cTn id="15" fill="hold">
+                      <p:stCondLst>
+                        <p:cond delay="indefinite"/>
+                      </p:stCondLst>
+                      <p:childTnLst>
+                        <p:par>
+                          <p:cTn id="16" fill="hold">
+                            <p:stCondLst>
+                              <p:cond delay="0"/>
+                            </p:stCondLst>
+                            <p:childTnLst>
+                              <p:par>
+                                <p:cTn id="17" presetID="1" presetClass="entr" presetSubtype="0" fill="hold" grpId="0" nodeType="clickEffect">
+                                  <p:stCondLst>
+                                    <p:cond delay="0"/>
+                                  </p:stCondLst>
+                                  <p:childTnLst>
+                                    <p:set>
+                                      <p:cBhvr>
+                                        <p:cTn id="18" dur="1" fill="hold">
+                                          <p:stCondLst>
+                                            <p:cond delay="0"/>
+                                          </p:stCondLst>
+                                        </p:cTn>
+                                        <p:tgtEl>
+                                          <p:spTgt spid="12"/>
+                                        </p:tgtEl>
+                                        <p:attrNameLst>
+                                          <p:attrName>style.visibility</p:attrName>
+                                        </p:attrNameLst>
+                                      </p:cBhvr>
+                                      <p:to>
+                                        <p:strVal val="visible"/>
+                                      </p:to>
+                                    </p:set>
+                                  </p:childTnLst>
+                                </p:cTn>
+                              </p:par>
+                            </p:childTnLst>
+                          </p:cTn>
+                        </p:par>
+                      </p:childTnLst>
+                    </p:cTn>
+                  </p:par>
+                </p:childTnLst>
+              </p:cTn>
+              <p:prevCondLst>
+                <p:cond evt="onPrev" delay="0">
+                  <p:tgtEl>
+                    <p:sldTgt/>
+                  </p:tgtEl>
+                </p:cond>
+              </p:prevCondLst>
+              <p:nextCondLst>
+                <p:cond evt="onNext" delay="0">
+                  <p:tgtEl>
+                    <p:sldTgt/>
+                  </p:tgtEl>
+                </p:cond>
+              </p:nextCondLst>
+            </p:seq>
+          </p:childTnLst>
+        </p:cTn>
+      </p:par>
+    </p:tnLst>
+    <p:bldLst>
+      <p:bldP spid="8" grpId="0"/>
+      <p:bldP spid="10" grpId="0"/>
+      <p:bldP spid="11" grpId="0"/>
+      <p:bldP spid="12" grpId="0"/>
+    </p:bldLst>
+  </p:timing>
 </p:sld>
 </file>
 
@@ -6491,16 +8759,36 @@
           <a:lstStyle/>
           <a:p>
             <a:r>
-              <a:rPr lang="de-DE" dirty="0" smtClean="0"/>
-              <a:t>#!/</a:t>
-            </a:r>
-            <a:r>
-              <a:rPr lang="de-DE" dirty="0" err="1" smtClean="0"/>
-              <a:t>why</a:t>
-            </a:r>
-            <a:r>
-              <a:rPr lang="de-DE" dirty="0" smtClean="0"/>
-              <a:t>/2</a:t>
+              <a:rPr lang="de-DE" dirty="0" err="1" smtClean="0"/>
+              <a:t>Is</a:t>
+            </a:r>
+            <a:r>
+              <a:rPr lang="de-DE" dirty="0" smtClean="0"/>
+              <a:t> </a:t>
+            </a:r>
+            <a:r>
+              <a:rPr lang="de-DE" dirty="0" err="1" smtClean="0"/>
+              <a:t>the</a:t>
+            </a:r>
+            <a:r>
+              <a:rPr lang="de-DE" dirty="0" smtClean="0"/>
+              <a:t> web </a:t>
+            </a:r>
+            <a:r>
+              <a:rPr lang="de-DE" dirty="0" err="1" smtClean="0"/>
+              <a:t>the</a:t>
+            </a:r>
+            <a:r>
+              <a:rPr lang="de-DE" dirty="0" smtClean="0"/>
+              <a:t> </a:t>
+            </a:r>
+            <a:r>
+              <a:rPr lang="de-DE" dirty="0" err="1" smtClean="0"/>
+              <a:t>saviour</a:t>
+            </a:r>
+            <a:r>
+              <a:rPr lang="de-DE" dirty="0" smtClean="0"/>
+              <a:t>?</a:t>
             </a:r>
             <a:endParaRPr lang="de-DE" dirty="0"/>
           </a:p>
@@ -6521,20 +8809,200 @@
           <a:bodyPr/>
           <a:lstStyle/>
           <a:p>
+            <a:r>
+              <a:rPr lang="de-DE" dirty="0" err="1" smtClean="0"/>
+              <a:t>From</a:t>
+            </a:r>
+            <a:r>
+              <a:rPr lang="de-DE" dirty="0" smtClean="0"/>
+              <a:t> a </a:t>
+            </a:r>
+            <a:r>
+              <a:rPr lang="de-DE" dirty="0" err="1" smtClean="0"/>
+              <a:t>developer‘s</a:t>
+            </a:r>
+            <a:r>
+              <a:rPr lang="de-DE" dirty="0" smtClean="0"/>
+              <a:t> </a:t>
+            </a:r>
+            <a:r>
+              <a:rPr lang="de-DE" dirty="0" err="1" smtClean="0"/>
+              <a:t>perspective</a:t>
+            </a:r>
             <a:endParaRPr lang="de-DE" dirty="0" smtClean="0"/>
+          </a:p>
+          <a:p>
+            <a:pPr lvl="1"/>
+            <a:r>
+              <a:rPr lang="de-DE" dirty="0" err="1" smtClean="0"/>
+              <a:t>Solve</a:t>
+            </a:r>
+            <a:r>
+              <a:rPr lang="de-DE" dirty="0" smtClean="0"/>
+              <a:t> </a:t>
+            </a:r>
+            <a:r>
+              <a:rPr lang="de-DE" dirty="0" err="1" smtClean="0"/>
+              <a:t>distribution</a:t>
+            </a:r>
+            <a:endParaRPr lang="de-DE" dirty="0" smtClean="0"/>
+          </a:p>
+          <a:p>
+            <a:pPr lvl="1"/>
+            <a:r>
+              <a:rPr lang="de-DE" dirty="0" err="1" smtClean="0"/>
+              <a:t>Get</a:t>
+            </a:r>
+            <a:r>
+              <a:rPr lang="de-DE" dirty="0" smtClean="0"/>
+              <a:t> </a:t>
+            </a:r>
+            <a:r>
+              <a:rPr lang="de-DE" dirty="0" err="1" smtClean="0"/>
+              <a:t>low</a:t>
+            </a:r>
+            <a:r>
+              <a:rPr lang="de-DE" dirty="0" smtClean="0"/>
+              <a:t> </a:t>
+            </a:r>
+            <a:r>
+              <a:rPr lang="de-DE" dirty="0" err="1" smtClean="0"/>
+              <a:t>tech</a:t>
+            </a:r>
+            <a:r>
+              <a:rPr lang="de-DE" dirty="0" smtClean="0"/>
+              <a:t> API </a:t>
+            </a:r>
+            <a:r>
+              <a:rPr lang="de-DE" dirty="0" err="1" smtClean="0"/>
+              <a:t>access</a:t>
+            </a:r>
+            <a:r>
+              <a:rPr lang="de-DE" dirty="0" smtClean="0"/>
+              <a:t> (Device API)</a:t>
+            </a:r>
+          </a:p>
+          <a:p>
+            <a:r>
+              <a:rPr lang="de-DE" dirty="0" err="1" smtClean="0"/>
+              <a:t>From</a:t>
+            </a:r>
+            <a:r>
+              <a:rPr lang="de-DE" dirty="0" smtClean="0"/>
+              <a:t> a </a:t>
+            </a:r>
+            <a:r>
+              <a:rPr lang="de-DE" dirty="0" err="1" smtClean="0"/>
+              <a:t>users‘s</a:t>
+            </a:r>
+            <a:r>
+              <a:rPr lang="de-DE" dirty="0" smtClean="0"/>
+              <a:t> </a:t>
+            </a:r>
+            <a:r>
+              <a:rPr lang="de-DE" dirty="0" err="1" smtClean="0"/>
+              <a:t>perspective</a:t>
+            </a:r>
+            <a:endParaRPr lang="de-DE" dirty="0" smtClean="0"/>
+          </a:p>
+          <a:p>
+            <a:pPr lvl="1"/>
+            <a:r>
+              <a:rPr lang="de-DE" dirty="0" err="1" smtClean="0"/>
+              <a:t>Harmonize</a:t>
+            </a:r>
+            <a:r>
+              <a:rPr lang="de-DE" dirty="0" smtClean="0"/>
+              <a:t> UI </a:t>
+            </a:r>
+            <a:r>
+              <a:rPr lang="de-DE" dirty="0" err="1" smtClean="0"/>
+              <a:t>concepts</a:t>
+            </a:r>
+            <a:r>
+              <a:rPr lang="de-DE" dirty="0" smtClean="0"/>
+              <a:t> / </a:t>
+            </a:r>
+            <a:r>
+              <a:rPr lang="de-DE" dirty="0" err="1" smtClean="0"/>
+              <a:t>overall</a:t>
+            </a:r>
+            <a:r>
+              <a:rPr lang="de-DE" dirty="0" smtClean="0"/>
+              <a:t> UX</a:t>
+            </a:r>
+          </a:p>
+          <a:p>
+            <a:pPr lvl="1"/>
+            <a:r>
+              <a:rPr lang="de-DE" dirty="0" smtClean="0"/>
+              <a:t>Web </a:t>
+            </a:r>
+            <a:r>
+              <a:rPr lang="de-DE" dirty="0" err="1" smtClean="0"/>
+              <a:t>apps</a:t>
+            </a:r>
+            <a:r>
+              <a:rPr lang="de-DE" dirty="0" smtClean="0"/>
+              <a:t> </a:t>
+            </a:r>
+            <a:r>
+              <a:rPr lang="de-DE" dirty="0" err="1" smtClean="0"/>
+              <a:t>have</a:t>
+            </a:r>
+            <a:r>
+              <a:rPr lang="de-DE" dirty="0" smtClean="0"/>
+              <a:t> </a:t>
+            </a:r>
+            <a:r>
+              <a:rPr lang="de-DE" dirty="0" err="1" smtClean="0"/>
+              <a:t>to</a:t>
+            </a:r>
+            <a:r>
+              <a:rPr lang="de-DE" dirty="0" smtClean="0"/>
+              <a:t> </a:t>
+            </a:r>
+            <a:r>
+              <a:rPr lang="de-DE" dirty="0" err="1" smtClean="0"/>
+              <a:t>feel</a:t>
+            </a:r>
+            <a:r>
+              <a:rPr lang="de-DE" dirty="0" smtClean="0"/>
+              <a:t> </a:t>
+            </a:r>
+            <a:r>
+              <a:rPr lang="de-DE" dirty="0" err="1" smtClean="0"/>
+              <a:t>more</a:t>
+            </a:r>
+            <a:r>
+              <a:rPr lang="de-DE" dirty="0" smtClean="0"/>
+              <a:t> </a:t>
+            </a:r>
+            <a:r>
+              <a:rPr lang="de-DE" b="1" dirty="0" smtClean="0"/>
+              <a:t>native</a:t>
+            </a:r>
+            <a:endParaRPr lang="de-DE" b="1" dirty="0"/>
           </a:p>
         </p:txBody>
       </p:sp>
     </p:spTree>
     <p:extLst>
       <p:ext uri="{BB962C8B-B14F-4D97-AF65-F5344CB8AC3E}">
-        <p14:creationId xmlns:p14="http://schemas.microsoft.com/office/powerpoint/2010/main" val="1685397997"/>
+        <p14:creationId xmlns:p14="http://schemas.microsoft.com/office/powerpoint/2010/main" val="662330699"/>
       </p:ext>
     </p:extLst>
   </p:cSld>
   <p:clrMapOvr>
     <a:masterClrMapping/>
   </p:clrMapOvr>
+  <p:timing>
+    <p:tnLst>
+      <p:par>
+        <p:cTn xmlns:p14="http://schemas.microsoft.com/office/powerpoint/2010/main" id="1" dur="indefinite" restart="never" nodeType="tmRoot"/>
+      </p:par>
+    </p:tnLst>
+  </p:timing>
 </p:sld>
 </file>
 
@@ -6565,468 +9033,179 @@
             <p:ph type="title"/>
           </p:nvPr>
         </p:nvSpPr>
-        <p:spPr/>
-        <p:txBody>
-          <a:bodyPr/>
-          <a:lstStyle/>
-          <a:p>
-            <a:r>
-              <a:rPr lang="de-DE" dirty="0" smtClean="0"/>
-              <a:t>#!/</a:t>
-            </a:r>
-            <a:r>
-              <a:rPr lang="de-DE" dirty="0" err="1" smtClean="0"/>
-              <a:t>why</a:t>
-            </a:r>
-            <a:r>
-              <a:rPr lang="de-DE" dirty="0" smtClean="0"/>
-              <a:t>/not</a:t>
-            </a:r>
-            <a:endParaRPr lang="de-DE" dirty="0"/>
-          </a:p>
-        </p:txBody>
-      </p:sp>
-      <p:sp>
-        <p:nvSpPr>
-          <p:cNvPr id="3" name="Inhaltsplatzhalter 2"/>
-          <p:cNvSpPr>
-            <a:spLocks noGrp="1"/>
-          </p:cNvSpPr>
-          <p:nvPr>
-            <p:ph idx="1"/>
-          </p:nvPr>
-        </p:nvSpPr>
-        <p:spPr/>
+        <p:spPr>
+          <a:xfrm>
+            <a:off x="685800" y="121023"/>
+            <a:ext cx="7770813" cy="1429871"/>
+          </a:xfrm>
+        </p:spPr>
         <p:txBody>
           <a:bodyPr>
-            <a:normAutofit lnSpcReduction="10000"/>
+            <a:normAutofit/>
           </a:bodyPr>
           <a:lstStyle/>
           <a:p>
             <a:r>
-              <a:rPr lang="de-DE" dirty="0" err="1" smtClean="0"/>
-              <a:t>Existing</a:t>
-            </a:r>
-            <a:r>
-              <a:rPr lang="de-DE" dirty="0" smtClean="0"/>
-              <a:t> </a:t>
-            </a:r>
-            <a:r>
-              <a:rPr lang="de-DE" dirty="0" err="1" smtClean="0"/>
-              <a:t>page</a:t>
-            </a:r>
-            <a:r>
-              <a:rPr lang="de-DE" dirty="0" smtClean="0"/>
-              <a:t> </a:t>
-            </a:r>
-            <a:r>
-              <a:rPr lang="de-DE" dirty="0" err="1" smtClean="0"/>
-              <a:t>with</a:t>
-            </a:r>
-            <a:r>
-              <a:rPr lang="de-DE" dirty="0" smtClean="0"/>
-              <a:t> a </a:t>
-            </a:r>
-            <a:r>
-              <a:rPr lang="de-DE" dirty="0" err="1" smtClean="0"/>
-              <a:t>good</a:t>
-            </a:r>
-            <a:r>
-              <a:rPr lang="de-DE" dirty="0" smtClean="0"/>
-              <a:t> </a:t>
-            </a:r>
-            <a:r>
-              <a:rPr lang="de-DE" dirty="0" err="1" smtClean="0"/>
-              <a:t>page</a:t>
-            </a:r>
-            <a:r>
-              <a:rPr lang="de-DE" dirty="0" smtClean="0"/>
-              <a:t> rank, </a:t>
-            </a:r>
-            <a:r>
-              <a:rPr lang="de-DE" dirty="0" err="1" smtClean="0"/>
-              <a:t>hundreds</a:t>
-            </a:r>
-            <a:r>
-              <a:rPr lang="de-DE" dirty="0" smtClean="0"/>
-              <a:t> </a:t>
-            </a:r>
-            <a:r>
-              <a:rPr lang="de-DE" dirty="0" err="1" smtClean="0"/>
-              <a:t>of</a:t>
-            </a:r>
-            <a:r>
-              <a:rPr lang="de-DE" dirty="0" smtClean="0"/>
-              <a:t> </a:t>
-            </a:r>
-            <a:r>
-              <a:rPr lang="de-DE" dirty="0" err="1" smtClean="0"/>
-              <a:t>indexed</a:t>
-            </a:r>
-            <a:r>
-              <a:rPr lang="de-DE" dirty="0" smtClean="0"/>
-              <a:t> </a:t>
-            </a:r>
-            <a:r>
-              <a:rPr lang="de-DE" dirty="0" err="1" smtClean="0"/>
-              <a:t>urls</a:t>
-            </a:r>
-            <a:endParaRPr lang="de-DE" dirty="0"/>
-          </a:p>
-          <a:p>
-            <a:pPr lvl="1"/>
-            <a:r>
-              <a:rPr lang="de-DE" dirty="0" err="1" smtClean="0"/>
-              <a:t>gawker.com</a:t>
-            </a:r>
+              <a:rPr lang="de-DE" sz="3800" dirty="0" smtClean="0"/>
+              <a:t>Web Apps </a:t>
+            </a:r>
+            <a:r>
+              <a:rPr lang="de-DE" sz="3800" dirty="0" err="1" smtClean="0"/>
+              <a:t>have</a:t>
+            </a:r>
+            <a:r>
+              <a:rPr lang="de-DE" sz="3800" dirty="0" smtClean="0"/>
+              <a:t> </a:t>
+            </a:r>
+            <a:r>
+              <a:rPr lang="de-DE" sz="3800" dirty="0" err="1" smtClean="0"/>
+              <a:t>to</a:t>
+            </a:r>
+            <a:r>
+              <a:rPr lang="de-DE" sz="3800" dirty="0" smtClean="0"/>
+              <a:t> </a:t>
+            </a:r>
+            <a:r>
+              <a:rPr lang="de-DE" sz="3800" dirty="0" err="1" smtClean="0"/>
+              <a:t>feel</a:t>
+            </a:r>
+            <a:r>
+              <a:rPr lang="de-DE" sz="3800" dirty="0" smtClean="0"/>
+              <a:t> </a:t>
+            </a:r>
+            <a:r>
+              <a:rPr lang="de-DE" sz="3800" dirty="0" err="1" smtClean="0"/>
+              <a:t>more</a:t>
+            </a:r>
+            <a:r>
+              <a:rPr lang="de-DE" sz="3800" dirty="0" smtClean="0"/>
+              <a:t> native </a:t>
+            </a:r>
+            <a:endParaRPr lang="de-DE" sz="3800" dirty="0"/>
+          </a:p>
+        </p:txBody>
+      </p:sp>
+      <p:sp>
+        <p:nvSpPr>
+          <p:cNvPr id="3" name="Inhaltsplatzhalter 2"/>
+          <p:cNvSpPr>
+            <a:spLocks noGrp="1"/>
+          </p:cNvSpPr>
+          <p:nvPr>
+            <p:ph idx="1"/>
+          </p:nvPr>
+        </p:nvSpPr>
+        <p:spPr>
+          <a:xfrm>
+            <a:off x="685800" y="1413552"/>
+            <a:ext cx="7770813" cy="740143"/>
+          </a:xfrm>
+        </p:spPr>
+        <p:txBody>
+          <a:bodyPr>
+            <a:normAutofit/>
+          </a:bodyPr>
+          <a:lstStyle/>
+          <a:p>
+            <a:r>
+              <a:rPr lang="de-DE" sz="2500" b="1" dirty="0" smtClean="0"/>
+              <a:t>Desktop- </a:t>
+            </a:r>
+            <a:r>
+              <a:rPr lang="de-DE" sz="2500" b="1" dirty="0" err="1" smtClean="0"/>
+              <a:t>and</a:t>
+            </a:r>
+            <a:r>
+              <a:rPr lang="de-DE" sz="2500" b="1" dirty="0" smtClean="0"/>
+              <a:t> Web-Experience </a:t>
+            </a:r>
+            <a:r>
+              <a:rPr lang="de-DE" sz="2500" b="1" dirty="0" err="1" smtClean="0"/>
+              <a:t>converge</a:t>
+            </a:r>
+            <a:r>
+              <a:rPr lang="de-DE" sz="2500" b="1" dirty="0" smtClean="0"/>
+              <a:t>!</a:t>
+            </a:r>
+          </a:p>
+          <a:p>
+            <a:pPr marL="0" indent="0">
+              <a:buNone/>
+            </a:pPr>
+            <a:endParaRPr lang="de-DE" sz="2500" b="1" dirty="0"/>
+          </a:p>
+        </p:txBody>
+      </p:sp>
+      <p:pic>
+        <p:nvPicPr>
+          <p:cNvPr id="4" name="Bild 3" descr="Screen shot 2011-03-26 at 1.41.54 PM.png"/>
+          <p:cNvPicPr>
+            <a:picLocks noChangeAspect="1"/>
+          </p:cNvPicPr>
+          <p:nvPr/>
+        </p:nvPicPr>
+        <p:blipFill rotWithShape="1">
+          <a:blip r:embed="rId2">
+            <a:extLst>
+              <a:ext uri="{28A0092B-C50C-407E-A947-70E740481C1C}">
+                <a14:useLocalDpi xmlns:a14="http://schemas.microsoft.com/office/drawing/2010/main" val="0"/>
+              </a:ext>
+            </a:extLst>
+          </a:blip>
+          <a:srcRect t="8778" b="-5730"/>
+          <a:stretch/>
+        </p:blipFill>
+        <p:spPr>
+          <a:xfrm>
+            <a:off x="735013" y="2153695"/>
+            <a:ext cx="7368445" cy="4582800"/>
+          </a:xfrm>
+          <a:prstGeom prst="rect">
+            <a:avLst/>
+          </a:prstGeom>
+        </p:spPr>
+      </p:pic>
+      <p:sp>
+        <p:nvSpPr>
+          <p:cNvPr id="6" name="Textfeld 5"/>
+          <p:cNvSpPr txBox="1"/>
+          <p:nvPr/>
+        </p:nvSpPr>
+        <p:spPr>
+          <a:xfrm>
+            <a:off x="1185039" y="6405860"/>
+            <a:ext cx="6773923" cy="369332"/>
+          </a:xfrm>
+          <a:prstGeom prst="rect">
+            <a:avLst/>
+          </a:prstGeom>
+          <a:noFill/>
+        </p:spPr>
+        <p:txBody>
+          <a:bodyPr wrap="square" rtlCol="0">
+            <a:spAutoFit/>
+          </a:bodyPr>
+          <a:lstStyle/>
+          <a:p>
             <a:r>
               <a:rPr lang="de-DE" dirty="0"/>
-              <a:t> </a:t>
-            </a:r>
-            <a:r>
-              <a:rPr lang="de-DE" dirty="0" smtClean="0">
-                <a:sym typeface="Wingdings"/>
-              </a:rPr>
-              <a:t></a:t>
-            </a:r>
-            <a:r>
-              <a:rPr lang="de-DE" dirty="0" smtClean="0"/>
-              <a:t> All links </a:t>
-            </a:r>
-            <a:r>
-              <a:rPr lang="de-DE" dirty="0" err="1" smtClean="0"/>
-              <a:t>from</a:t>
-            </a:r>
-            <a:r>
-              <a:rPr lang="de-DE" dirty="0" smtClean="0"/>
-              <a:t> Google </a:t>
-            </a:r>
-            <a:r>
-              <a:rPr lang="de-DE" dirty="0" err="1" smtClean="0"/>
-              <a:t>were</a:t>
-            </a:r>
-            <a:r>
-              <a:rPr lang="de-DE" dirty="0" smtClean="0"/>
-              <a:t> </a:t>
-            </a:r>
-            <a:r>
-              <a:rPr lang="de-DE" dirty="0" err="1" smtClean="0"/>
-              <a:t>broken</a:t>
-            </a:r>
-            <a:endParaRPr lang="de-DE" dirty="0" smtClean="0"/>
-          </a:p>
-          <a:p>
-            <a:r>
-              <a:rPr lang="de-DE" dirty="0" smtClean="0"/>
-              <a:t>Intensive Data</a:t>
-            </a:r>
-          </a:p>
-          <a:p>
-            <a:pPr lvl="1"/>
-            <a:r>
-              <a:rPr lang="de-DE" dirty="0" err="1" smtClean="0"/>
-              <a:t>You</a:t>
-            </a:r>
-            <a:r>
-              <a:rPr lang="de-DE" dirty="0" smtClean="0"/>
-              <a:t> </a:t>
-            </a:r>
-            <a:r>
-              <a:rPr lang="de-DE" dirty="0" err="1" smtClean="0"/>
-              <a:t>shouldn‘t</a:t>
-            </a:r>
-            <a:r>
-              <a:rPr lang="de-DE" dirty="0" smtClean="0"/>
-              <a:t> </a:t>
-            </a:r>
-            <a:r>
-              <a:rPr lang="de-DE" dirty="0" err="1" smtClean="0"/>
-              <a:t>develop</a:t>
-            </a:r>
-            <a:r>
-              <a:rPr lang="de-DE" dirty="0" smtClean="0"/>
-              <a:t> a </a:t>
-            </a:r>
-            <a:r>
-              <a:rPr lang="de-DE" dirty="0" err="1" smtClean="0"/>
-              <a:t>banking</a:t>
-            </a:r>
-            <a:r>
-              <a:rPr lang="de-DE" dirty="0" smtClean="0"/>
-              <a:t> </a:t>
-            </a:r>
-            <a:r>
-              <a:rPr lang="de-DE" dirty="0" err="1" smtClean="0"/>
-              <a:t>page</a:t>
-            </a:r>
-            <a:r>
-              <a:rPr lang="de-DE" dirty="0" smtClean="0"/>
-              <a:t> </a:t>
-            </a:r>
-            <a:r>
-              <a:rPr lang="de-DE" dirty="0" err="1" smtClean="0"/>
-              <a:t>like</a:t>
-            </a:r>
-            <a:r>
-              <a:rPr lang="de-DE" dirty="0" smtClean="0"/>
-              <a:t> </a:t>
-            </a:r>
-            <a:r>
-              <a:rPr lang="de-DE" dirty="0" err="1" smtClean="0"/>
-              <a:t>that</a:t>
-            </a:r>
-            <a:endParaRPr lang="de-DE" dirty="0" smtClean="0"/>
-          </a:p>
-          <a:p>
-            <a:pPr lvl="1"/>
-            <a:r>
-              <a:rPr lang="de-DE" dirty="0" err="1" smtClean="0"/>
-              <a:t>Inspect</a:t>
-            </a:r>
-            <a:r>
-              <a:rPr lang="de-DE" dirty="0" smtClean="0"/>
-              <a:t> Element / See </a:t>
-            </a:r>
-            <a:r>
-              <a:rPr lang="de-DE" dirty="0" err="1" smtClean="0"/>
-              <a:t>source</a:t>
-            </a:r>
-            <a:r>
-              <a:rPr lang="de-DE" dirty="0" smtClean="0"/>
-              <a:t> </a:t>
-            </a:r>
-            <a:r>
-              <a:rPr lang="de-DE" dirty="0" smtClean="0">
-                <a:sym typeface="Wingdings"/>
-              </a:rPr>
-              <a:t> </a:t>
-            </a:r>
-            <a:r>
-              <a:rPr lang="de-DE" dirty="0" err="1" smtClean="0">
-                <a:sym typeface="Wingdings"/>
-              </a:rPr>
-              <a:t>You</a:t>
-            </a:r>
-            <a:r>
-              <a:rPr lang="de-DE" dirty="0" smtClean="0">
-                <a:sym typeface="Wingdings"/>
-              </a:rPr>
-              <a:t> </a:t>
-            </a:r>
-            <a:r>
-              <a:rPr lang="de-DE" dirty="0" err="1" smtClean="0">
-                <a:sym typeface="Wingdings"/>
-              </a:rPr>
-              <a:t>business</a:t>
-            </a:r>
-            <a:r>
-              <a:rPr lang="de-DE" dirty="0" smtClean="0">
-                <a:sym typeface="Wingdings"/>
-              </a:rPr>
-              <a:t> </a:t>
-            </a:r>
-            <a:r>
-              <a:rPr lang="de-DE" dirty="0" err="1" smtClean="0">
-                <a:sym typeface="Wingdings"/>
-              </a:rPr>
-              <a:t>logic</a:t>
-            </a:r>
-            <a:r>
-              <a:rPr lang="de-DE" dirty="0" smtClean="0">
-                <a:sym typeface="Wingdings"/>
-              </a:rPr>
-              <a:t> </a:t>
-            </a:r>
-            <a:r>
-              <a:rPr lang="de-DE" dirty="0" err="1" smtClean="0">
-                <a:sym typeface="Wingdings"/>
-              </a:rPr>
-              <a:t>exposed</a:t>
-            </a:r>
-            <a:r>
-              <a:rPr lang="de-DE" dirty="0" smtClean="0">
-                <a:sym typeface="Wingdings"/>
-              </a:rPr>
-              <a:t> </a:t>
-            </a:r>
-            <a:r>
-              <a:rPr lang="de-DE" dirty="0" err="1" smtClean="0">
-                <a:sym typeface="Wingdings"/>
-              </a:rPr>
-              <a:t>to</a:t>
-            </a:r>
-            <a:r>
-              <a:rPr lang="de-DE" dirty="0" smtClean="0">
-                <a:sym typeface="Wingdings"/>
-              </a:rPr>
-              <a:t> </a:t>
-            </a:r>
-            <a:r>
-              <a:rPr lang="de-DE" dirty="0" err="1" smtClean="0">
-                <a:sym typeface="Wingdings"/>
-              </a:rPr>
-              <a:t>the</a:t>
-            </a:r>
-            <a:r>
-              <a:rPr lang="de-DE" dirty="0" smtClean="0">
-                <a:sym typeface="Wingdings"/>
-              </a:rPr>
-              <a:t> </a:t>
-            </a:r>
-            <a:r>
-              <a:rPr lang="de-DE" dirty="0" err="1" smtClean="0">
-                <a:sym typeface="Wingdings"/>
-              </a:rPr>
-              <a:t>user</a:t>
-            </a:r>
-            <a:endParaRPr lang="de-DE" dirty="0" smtClean="0">
-              <a:sym typeface="Wingdings"/>
-            </a:endParaRPr>
-          </a:p>
-          <a:p>
-            <a:r>
-              <a:rPr lang="de-DE" dirty="0" err="1" smtClean="0"/>
-              <a:t>Your</a:t>
-            </a:r>
-            <a:r>
-              <a:rPr lang="de-DE" dirty="0" smtClean="0"/>
-              <a:t> </a:t>
-            </a:r>
-            <a:r>
-              <a:rPr lang="de-DE" dirty="0" err="1" smtClean="0"/>
-              <a:t>page</a:t>
-            </a:r>
-            <a:r>
-              <a:rPr lang="de-DE" dirty="0" smtClean="0"/>
-              <a:t> </a:t>
-            </a:r>
-            <a:r>
-              <a:rPr lang="de-DE" dirty="0" err="1" smtClean="0"/>
-              <a:t>relies</a:t>
-            </a:r>
-            <a:r>
-              <a:rPr lang="de-DE" dirty="0" smtClean="0"/>
-              <a:t> on </a:t>
-            </a:r>
-            <a:r>
-              <a:rPr lang="de-DE" dirty="0" err="1" smtClean="0"/>
-              <a:t>the</a:t>
-            </a:r>
-            <a:r>
-              <a:rPr lang="de-DE" dirty="0" smtClean="0"/>
-              <a:t> JavaScript </a:t>
-            </a:r>
-            <a:r>
-              <a:rPr lang="de-DE" dirty="0" err="1" smtClean="0"/>
-              <a:t>performance</a:t>
-            </a:r>
-            <a:r>
-              <a:rPr lang="de-DE" dirty="0" smtClean="0"/>
-              <a:t> </a:t>
-            </a:r>
-            <a:r>
-              <a:rPr lang="de-DE" dirty="0" err="1" smtClean="0"/>
-              <a:t>of</a:t>
-            </a:r>
-            <a:r>
-              <a:rPr lang="de-DE" dirty="0" smtClean="0"/>
-              <a:t> </a:t>
-            </a:r>
-            <a:r>
-              <a:rPr lang="de-DE" dirty="0" err="1" smtClean="0"/>
-              <a:t>your</a:t>
-            </a:r>
-            <a:r>
-              <a:rPr lang="de-DE" dirty="0" smtClean="0"/>
-              <a:t> </a:t>
-            </a:r>
-            <a:r>
-              <a:rPr lang="de-DE" dirty="0" err="1" smtClean="0"/>
-              <a:t>clients</a:t>
-            </a:r>
-            <a:endParaRPr lang="de-DE" dirty="0" smtClean="0"/>
-          </a:p>
-          <a:p>
-            <a:pPr lvl="1"/>
-            <a:r>
-              <a:rPr lang="de-DE" dirty="0" err="1" smtClean="0"/>
-              <a:t>bad</a:t>
-            </a:r>
-            <a:r>
-              <a:rPr lang="de-DE" dirty="0" smtClean="0"/>
-              <a:t> UX </a:t>
-            </a:r>
-            <a:r>
-              <a:rPr lang="de-DE" dirty="0" err="1" smtClean="0"/>
-              <a:t>with</a:t>
-            </a:r>
-            <a:r>
-              <a:rPr lang="de-DE" dirty="0" smtClean="0"/>
-              <a:t> </a:t>
-            </a:r>
-            <a:r>
-              <a:rPr lang="de-DE" dirty="0" err="1" smtClean="0"/>
-              <a:t>slow</a:t>
-            </a:r>
-            <a:r>
-              <a:rPr lang="de-DE" dirty="0" smtClean="0"/>
-              <a:t> </a:t>
-            </a:r>
-            <a:r>
-              <a:rPr lang="de-DE" dirty="0" err="1" smtClean="0"/>
-              <a:t>browsers</a:t>
-            </a:r>
-            <a:endParaRPr lang="de-DE" dirty="0" smtClean="0"/>
-          </a:p>
-          <a:p>
-            <a:pPr lvl="1"/>
-            <a:r>
-              <a:rPr lang="de-DE" dirty="0" err="1" smtClean="0"/>
-              <a:t>Make</a:t>
-            </a:r>
-            <a:r>
-              <a:rPr lang="de-DE" dirty="0" smtClean="0"/>
-              <a:t> </a:t>
-            </a:r>
-            <a:r>
-              <a:rPr lang="de-DE" dirty="0" err="1" smtClean="0"/>
-              <a:t>sure</a:t>
-            </a:r>
-            <a:r>
-              <a:rPr lang="de-DE" dirty="0" smtClean="0"/>
-              <a:t> JavaScript </a:t>
-            </a:r>
-            <a:r>
-              <a:rPr lang="de-DE" dirty="0" err="1" smtClean="0"/>
-              <a:t>is</a:t>
-            </a:r>
-            <a:r>
-              <a:rPr lang="de-DE" dirty="0" smtClean="0"/>
-              <a:t> </a:t>
-            </a:r>
-            <a:r>
-              <a:rPr lang="de-DE" dirty="0" err="1" smtClean="0"/>
-              <a:t>enabled</a:t>
-            </a:r>
-            <a:r>
-              <a:rPr lang="de-DE" dirty="0" smtClean="0"/>
-              <a:t> (&lt;</a:t>
-            </a:r>
-            <a:r>
-              <a:rPr lang="de-DE" dirty="0" err="1" smtClean="0"/>
-              <a:t>noscript</a:t>
-            </a:r>
-            <a:r>
-              <a:rPr lang="de-DE" dirty="0" smtClean="0"/>
-              <a:t>/&gt; </a:t>
-            </a:r>
-            <a:r>
-              <a:rPr lang="de-DE" dirty="0" err="1" smtClean="0"/>
-              <a:t>ftw</a:t>
-            </a:r>
-            <a:r>
-              <a:rPr lang="de-DE" dirty="0" smtClean="0"/>
-              <a:t>!)</a:t>
+              <a:t>http://</a:t>
+            </a:r>
+            <a:r>
+              <a:rPr lang="de-DE" dirty="0" err="1"/>
+              <a:t>www.yuiblog.com</a:t>
+            </a:r>
+            <a:r>
+              <a:rPr lang="de-DE" dirty="0"/>
+              <a:t>/</a:t>
+            </a:r>
+            <a:r>
+              <a:rPr lang="de-DE" dirty="0" err="1"/>
+              <a:t>blog</a:t>
+            </a:r>
+            <a:r>
+              <a:rPr lang="de-DE" dirty="0"/>
+              <a:t>/2009/10/13/video-neuberg-html5/</a:t>
             </a:r>
           </a:p>
         </p:txBody>
@@ -7034,13 +9213,20 @@
     </p:spTree>
     <p:extLst>
       <p:ext uri="{BB962C8B-B14F-4D97-AF65-F5344CB8AC3E}">
-        <p14:creationId xmlns:p14="http://schemas.microsoft.com/office/powerpoint/2010/main" val="815574000"/>
+        <p14:creationId xmlns:p14="http://schemas.microsoft.com/office/powerpoint/2010/main" val="3679939987"/>
       </p:ext>
     </p:extLst>
   </p:cSld>
   <p:clrMapOvr>
     <a:masterClrMapping/>
   </p:clrMapOvr>
+  <p:timing>
+    <p:tnLst>
+      <p:par>
+        <p:cTn xmlns:p14="http://schemas.microsoft.com/office/powerpoint/2010/main" id="1" dur="indefinite" restart="never" nodeType="tmRoot"/>
+      </p:par>
+    </p:tnLst>
+  </p:timing>
 </p:sld>
 </file>
 
@@ -7073,36 +9259,123 @@
         </p:nvSpPr>
         <p:spPr/>
         <p:txBody>
+          <a:bodyPr>
+            <a:normAutofit/>
+          </a:bodyPr>
+          <a:lstStyle/>
+          <a:p>
+            <a:r>
+              <a:rPr lang="de-DE" sz="3500" dirty="0" smtClean="0"/>
+              <a:t>Desktop- </a:t>
+            </a:r>
+            <a:r>
+              <a:rPr lang="de-DE" sz="3500" dirty="0" err="1" smtClean="0"/>
+              <a:t>and</a:t>
+            </a:r>
+            <a:r>
+              <a:rPr lang="de-DE" sz="3500" dirty="0" smtClean="0"/>
+              <a:t> Web-Experience </a:t>
+            </a:r>
+            <a:r>
+              <a:rPr lang="de-DE" sz="3500" dirty="0" err="1" smtClean="0"/>
+              <a:t>converge</a:t>
+            </a:r>
+            <a:endParaRPr lang="de-DE" sz="3500" dirty="0"/>
+          </a:p>
+        </p:txBody>
+      </p:sp>
+      <p:sp>
+        <p:nvSpPr>
+          <p:cNvPr id="3" name="Inhaltsplatzhalter 2"/>
+          <p:cNvSpPr>
+            <a:spLocks noGrp="1"/>
+          </p:cNvSpPr>
+          <p:nvPr>
+            <p:ph idx="1"/>
+          </p:nvPr>
+        </p:nvSpPr>
+        <p:spPr/>
+        <p:txBody>
           <a:bodyPr/>
           <a:lstStyle/>
           <a:p>
             <a:r>
-              <a:rPr lang="de-DE" dirty="0" smtClean="0"/>
-              <a:t>#!/</a:t>
-            </a:r>
-            <a:r>
-              <a:rPr lang="de-DE" dirty="0" err="1" smtClean="0"/>
-              <a:t>tools</a:t>
+              <a:rPr lang="de-DE" dirty="0" err="1" smtClean="0"/>
+              <a:t>Then</a:t>
+            </a:r>
+            <a:r>
+              <a:rPr lang="de-DE" dirty="0" smtClean="0"/>
+              <a:t>:</a:t>
+            </a:r>
+          </a:p>
+          <a:p>
+            <a:pPr lvl="1"/>
+            <a:r>
+              <a:rPr lang="de-DE" dirty="0" smtClean="0"/>
+              <a:t>Flash</a:t>
+            </a:r>
+          </a:p>
+          <a:p>
+            <a:r>
+              <a:rPr lang="de-DE" dirty="0" err="1" smtClean="0"/>
+              <a:t>Now</a:t>
+            </a:r>
+            <a:r>
+              <a:rPr lang="de-DE" dirty="0"/>
+              <a:t>:</a:t>
+            </a:r>
+            <a:endParaRPr lang="de-DE" dirty="0" smtClean="0"/>
+          </a:p>
+          <a:p>
+            <a:pPr lvl="1"/>
+            <a:r>
+              <a:rPr lang="de-DE" dirty="0" smtClean="0"/>
+              <a:t>JavaScript</a:t>
             </a:r>
             <a:endParaRPr lang="de-DE" dirty="0"/>
           </a:p>
-        </p:txBody>
-      </p:sp>
-      <p:sp>
-        <p:nvSpPr>
-          <p:cNvPr id="3" name="Inhaltsplatzhalter 2"/>
-          <p:cNvSpPr>
-            <a:spLocks noGrp="1"/>
-          </p:cNvSpPr>
-          <p:nvPr>
-            <p:ph idx="1"/>
-          </p:nvPr>
-        </p:nvSpPr>
-        <p:spPr/>
-        <p:txBody>
-          <a:bodyPr/>
-          <a:lstStyle/>
-          <a:p>
+          <a:p>
+            <a:pPr lvl="1"/>
+            <a:r>
+              <a:rPr lang="de-DE" dirty="0" smtClean="0"/>
+              <a:t>AJAX</a:t>
+            </a:r>
+          </a:p>
+          <a:p>
+            <a:pPr lvl="1"/>
+            <a:r>
+              <a:rPr lang="de-DE" dirty="0" smtClean="0"/>
+              <a:t>JavaScript </a:t>
+            </a:r>
+            <a:r>
+              <a:rPr lang="de-DE" dirty="0" err="1" smtClean="0"/>
+              <a:t>is</a:t>
+            </a:r>
+            <a:r>
+              <a:rPr lang="de-DE" dirty="0" smtClean="0"/>
+              <a:t> </a:t>
+            </a:r>
+            <a:r>
+              <a:rPr lang="de-DE" dirty="0" err="1" smtClean="0"/>
+              <a:t>everywhere</a:t>
+            </a:r>
+            <a:r>
+              <a:rPr lang="de-DE" dirty="0" smtClean="0"/>
+              <a:t> (Frontend, Backend, DB)</a:t>
+            </a:r>
+            <a:endParaRPr lang="de-DE" dirty="0" smtClean="0"/>
+          </a:p>
+          <a:p>
+            <a:pPr lvl="1"/>
+            <a:r>
+              <a:rPr lang="de-DE" dirty="0" smtClean="0"/>
+              <a:t>Single Page Web Apps</a:t>
+            </a:r>
+          </a:p>
+          <a:p>
+            <a:pPr marL="0" indent="0">
+              <a:buNone/>
+            </a:pPr>
             <a:endParaRPr lang="de-DE" dirty="0"/>
           </a:p>
         </p:txBody>
@@ -7110,13 +9383,20 @@
     </p:spTree>
     <p:extLst>
       <p:ext uri="{BB962C8B-B14F-4D97-AF65-F5344CB8AC3E}">
-        <p14:creationId xmlns:p14="http://schemas.microsoft.com/office/powerpoint/2010/main" val="2482348623"/>
+        <p14:creationId xmlns:p14="http://schemas.microsoft.com/office/powerpoint/2010/main" val="1261351843"/>
       </p:ext>
     </p:extLst>
   </p:cSld>
   <p:clrMapOvr>
     <a:masterClrMapping/>
   </p:clrMapOvr>
+  <p:timing>
+    <p:tnLst>
+      <p:par>
+        <p:cTn xmlns:p14="http://schemas.microsoft.com/office/powerpoint/2010/main" id="1" dur="indefinite" restart="never" nodeType="tmRoot"/>
+      </p:par>
+    </p:tnLst>
+  </p:timing>
 </p:sld>
 </file>
 
@@ -7157,10 +9437,10 @@
               <a:t>#!/</a:t>
             </a:r>
             <a:r>
-              <a:rPr lang="de-DE" smtClean="0"/>
-              <a:t>resources</a:t>
-            </a:r>
-            <a:endParaRPr lang="de-DE"/>
+              <a:rPr lang="de-DE" dirty="0" err="1" smtClean="0"/>
+              <a:t>what</a:t>
+            </a:r>
+            <a:endParaRPr lang="de-DE" dirty="0"/>
           </a:p>
         </p:txBody>
       </p:sp>
@@ -7179,20 +9459,231 @@
           <a:bodyPr/>
           <a:lstStyle/>
           <a:p>
-            <a:endParaRPr lang="de-DE"/>
+            <a:r>
+              <a:rPr lang="de-DE" dirty="0" smtClean="0">
+                <a:hlinkClick r:id="rId2"/>
+              </a:rPr>
+              <a:t>http://twitter.com/</a:t>
+            </a:r>
+            <a:r>
+              <a:rPr lang="de-DE" dirty="0" smtClean="0"/>
+              <a:t> / </a:t>
+            </a:r>
+            <a:r>
+              <a:rPr lang="de-DE" dirty="0" smtClean="0">
+                <a:hlinkClick r:id="rId3"/>
+              </a:rPr>
+              <a:t>http://facebook.com</a:t>
+            </a:r>
+            <a:r>
+              <a:rPr lang="de-DE" dirty="0" smtClean="0"/>
+              <a:t> </a:t>
+            </a:r>
+          </a:p>
+          <a:p>
+            <a:r>
+              <a:rPr lang="de-DE" dirty="0" err="1" smtClean="0"/>
+              <a:t>Your</a:t>
+            </a:r>
+            <a:r>
+              <a:rPr lang="de-DE" dirty="0" smtClean="0"/>
+              <a:t> </a:t>
+            </a:r>
+            <a:r>
+              <a:rPr lang="de-DE" dirty="0" err="1" smtClean="0"/>
+              <a:t>whole</a:t>
+            </a:r>
+            <a:r>
+              <a:rPr lang="de-DE" dirty="0" smtClean="0"/>
+              <a:t> </a:t>
+            </a:r>
+            <a:r>
+              <a:rPr lang="de-DE" dirty="0" err="1" smtClean="0"/>
+              <a:t>app</a:t>
+            </a:r>
+            <a:r>
+              <a:rPr lang="de-DE" dirty="0" smtClean="0"/>
+              <a:t> </a:t>
+            </a:r>
+            <a:r>
+              <a:rPr lang="de-DE" dirty="0" err="1" smtClean="0"/>
+              <a:t>exists</a:t>
+            </a:r>
+            <a:r>
+              <a:rPr lang="de-DE" dirty="0" smtClean="0"/>
+              <a:t> on a </a:t>
+            </a:r>
+            <a:r>
+              <a:rPr lang="de-DE" dirty="0" err="1" smtClean="0"/>
+              <a:t>single</a:t>
+            </a:r>
+            <a:r>
+              <a:rPr lang="de-DE" dirty="0" smtClean="0"/>
+              <a:t> </a:t>
+            </a:r>
+            <a:r>
+              <a:rPr lang="de-DE" dirty="0" err="1" smtClean="0"/>
+              <a:t>page</a:t>
+            </a:r>
+            <a:endParaRPr lang="de-DE" dirty="0" smtClean="0"/>
+          </a:p>
+          <a:p>
+            <a:pPr lvl="1"/>
+            <a:r>
+              <a:rPr lang="de-DE" dirty="0" err="1" smtClean="0"/>
+              <a:t>No</a:t>
+            </a:r>
+            <a:r>
+              <a:rPr lang="de-DE" dirty="0" smtClean="0"/>
+              <a:t> </a:t>
+            </a:r>
+            <a:r>
+              <a:rPr lang="de-DE" dirty="0" err="1" smtClean="0"/>
+              <a:t>complete</a:t>
+            </a:r>
+            <a:r>
+              <a:rPr lang="de-DE" dirty="0" smtClean="0"/>
+              <a:t> </a:t>
+            </a:r>
+            <a:r>
+              <a:rPr lang="de-DE" dirty="0" err="1" smtClean="0"/>
+              <a:t>reload</a:t>
+            </a:r>
+            <a:r>
+              <a:rPr lang="de-DE" dirty="0" smtClean="0"/>
+              <a:t> </a:t>
+            </a:r>
+            <a:r>
+              <a:rPr lang="de-DE" dirty="0" err="1" smtClean="0"/>
+              <a:t>of</a:t>
+            </a:r>
+            <a:r>
+              <a:rPr lang="de-DE" dirty="0" smtClean="0"/>
+              <a:t> </a:t>
+            </a:r>
+            <a:r>
+              <a:rPr lang="de-DE" dirty="0" err="1" smtClean="0"/>
+              <a:t>the</a:t>
+            </a:r>
+            <a:r>
+              <a:rPr lang="de-DE" dirty="0" smtClean="0"/>
+              <a:t> DOM</a:t>
+            </a:r>
+          </a:p>
+          <a:p>
+            <a:pPr lvl="1"/>
+            <a:r>
+              <a:rPr lang="de-DE" dirty="0" err="1" smtClean="0"/>
+              <a:t>Only</a:t>
+            </a:r>
+            <a:r>
+              <a:rPr lang="de-DE" dirty="0" smtClean="0"/>
+              <a:t> </a:t>
+            </a:r>
+            <a:r>
+              <a:rPr lang="de-DE" dirty="0" err="1" smtClean="0"/>
+              <a:t>parts</a:t>
+            </a:r>
+            <a:r>
+              <a:rPr lang="de-DE" dirty="0" smtClean="0"/>
+              <a:t> </a:t>
+            </a:r>
+            <a:r>
+              <a:rPr lang="de-DE" dirty="0" err="1" smtClean="0"/>
+              <a:t>of</a:t>
+            </a:r>
+            <a:r>
+              <a:rPr lang="de-DE" dirty="0" smtClean="0"/>
+              <a:t> </a:t>
+            </a:r>
+            <a:r>
+              <a:rPr lang="de-DE" dirty="0" err="1" smtClean="0"/>
+              <a:t>your</a:t>
+            </a:r>
+            <a:r>
+              <a:rPr lang="de-DE" dirty="0" smtClean="0"/>
+              <a:t> </a:t>
+            </a:r>
+            <a:r>
+              <a:rPr lang="de-DE" dirty="0" err="1" smtClean="0"/>
+              <a:t>page</a:t>
+            </a:r>
+            <a:r>
+              <a:rPr lang="de-DE" dirty="0" smtClean="0"/>
+              <a:t> </a:t>
+            </a:r>
+            <a:r>
+              <a:rPr lang="de-DE" dirty="0" err="1" smtClean="0"/>
+              <a:t>change</a:t>
+            </a:r>
+            <a:endParaRPr lang="de-DE" dirty="0" smtClean="0"/>
+          </a:p>
+          <a:p>
+            <a:r>
+              <a:rPr lang="de-DE" dirty="0" smtClean="0"/>
+              <a:t>In-App URLs: </a:t>
+            </a:r>
+            <a:r>
+              <a:rPr lang="de-DE" dirty="0" err="1" smtClean="0"/>
+              <a:t>mydomain.tld</a:t>
+            </a:r>
+            <a:r>
+              <a:rPr lang="de-DE" dirty="0" smtClean="0"/>
+              <a:t>/#!/</a:t>
+            </a:r>
+            <a:r>
+              <a:rPr lang="de-DE" dirty="0" err="1" smtClean="0"/>
+              <a:t>test</a:t>
+            </a:r>
+            <a:endParaRPr lang="de-DE" dirty="0" smtClean="0"/>
+          </a:p>
+          <a:p>
+            <a:pPr lvl="1"/>
+            <a:r>
+              <a:rPr lang="de-DE" dirty="0" err="1" smtClean="0"/>
+              <a:t>bookmarkable</a:t>
+            </a:r>
+            <a:endParaRPr lang="de-DE" dirty="0" smtClean="0"/>
+          </a:p>
+          <a:p>
+            <a:pPr lvl="1"/>
+            <a:r>
+              <a:rPr lang="de-DE" dirty="0" smtClean="0"/>
+              <a:t>client-</a:t>
+            </a:r>
+            <a:r>
+              <a:rPr lang="de-DE" dirty="0" err="1" smtClean="0"/>
+              <a:t>side</a:t>
+            </a:r>
+            <a:r>
+              <a:rPr lang="de-DE" dirty="0" smtClean="0"/>
+              <a:t> </a:t>
+            </a:r>
+            <a:r>
+              <a:rPr lang="de-DE" dirty="0" err="1" smtClean="0"/>
+              <a:t>routing</a:t>
+            </a:r>
+            <a:endParaRPr lang="de-DE" dirty="0" smtClean="0"/>
           </a:p>
         </p:txBody>
       </p:sp>
     </p:spTree>
     <p:extLst>
       <p:ext uri="{BB962C8B-B14F-4D97-AF65-F5344CB8AC3E}">
-        <p14:creationId xmlns:p14="http://schemas.microsoft.com/office/powerpoint/2010/main" val="1855459936"/>
+        <p14:creationId xmlns:p14="http://schemas.microsoft.com/office/powerpoint/2010/main" val="3787634319"/>
       </p:ext>
     </p:extLst>
   </p:cSld>
   <p:clrMapOvr>
     <a:masterClrMapping/>
   </p:clrMapOvr>
+  <p:timing>
+    <p:tnLst>
+      <p:par>
+        <p:cTn xmlns:p14="http://schemas.microsoft.com/office/powerpoint/2010/main" id="1" dur="indefinite" restart="never" nodeType="tmRoot"/>
+      </p:par>
+    </p:tnLst>
+  </p:timing>
 </p:sld>
 </file>
 
